--- a/python-excel-users-crash-course.pptx
+++ b/python-excel-users-crash-course.pptx
@@ -5,7 +5,7 @@
     <p:sldMasterId id="2147483648" r:id="rId1"/>
   </p:sldMasterIdLst>
   <p:notesMasterIdLst>
-    <p:notesMasterId r:id="rId27"/>
+    <p:notesMasterId r:id="rId26"/>
   </p:notesMasterIdLst>
   <p:sldIdLst>
     <p:sldId id="356" r:id="rId2"/>
@@ -30,9 +30,8 @@
     <p:sldId id="355" r:id="rId21"/>
     <p:sldId id="329" r:id="rId22"/>
     <p:sldId id="306" r:id="rId23"/>
-    <p:sldId id="357" r:id="rId24"/>
-    <p:sldId id="433" r:id="rId25"/>
-    <p:sldId id="432" r:id="rId26"/>
+    <p:sldId id="433" r:id="rId24"/>
+    <p:sldId id="432" r:id="rId25"/>
   </p:sldIdLst>
   <p:sldSz cx="12192000" cy="6858000"/>
   <p:notesSz cx="6858000" cy="9144000"/>
@@ -1851,7 +1850,7 @@
           <a:p>
             <a:fld id="{4A469429-6ED5-4301-866D-519E2D1EB5BF}" type="datetimeFigureOut">
               <a:rPr lang="en-US" smtClean="0"/>
-              <a:t>1/26/2022</a:t>
+              <a:t>2/16/2022</a:t>
             </a:fld>
             <a:endParaRPr lang="en-US"/>
           </a:p>
@@ -3492,122 +3491,6 @@
     </p:spTree>
     <p:extLst>
       <p:ext uri="{BB962C8B-B14F-4D97-AF65-F5344CB8AC3E}">
-        <p14:creationId xmlns:p14="http://schemas.microsoft.com/office/powerpoint/2010/main" val="128776136"/>
-      </p:ext>
-    </p:extLst>
-  </p:cSld>
-  <p:clrMapOvr>
-    <a:masterClrMapping/>
-  </p:clrMapOvr>
-</p:notes>
-</file>
-
-<file path=ppt/notesSlides/notesSlide23.xml><?xml version="1.0" encoding="utf-8"?>
-<p:notes xmlns:a="http://schemas.openxmlformats.org/drawingml/2006/main" xmlns:r="http://schemas.openxmlformats.org/officeDocument/2006/relationships" xmlns:p="http://schemas.openxmlformats.org/presentationml/2006/main">
-  <p:cSld>
-    <p:spTree>
-      <p:nvGrpSpPr>
-        <p:cNvPr id="1" name=""/>
-        <p:cNvGrpSpPr/>
-        <p:nvPr/>
-      </p:nvGrpSpPr>
-      <p:grpSpPr>
-        <a:xfrm>
-          <a:off x="0" y="0"/>
-          <a:ext cx="0" cy="0"/>
-          <a:chOff x="0" y="0"/>
-          <a:chExt cx="0" cy="0"/>
-        </a:xfrm>
-      </p:grpSpPr>
-      <p:sp>
-        <p:nvSpPr>
-          <p:cNvPr id="2" name="Slide Image Placeholder 1"/>
-          <p:cNvSpPr>
-            <a:spLocks noGrp="1" noRot="1" noChangeAspect="1"/>
-          </p:cNvSpPr>
-          <p:nvPr>
-            <p:ph type="sldImg"/>
-          </p:nvPr>
-        </p:nvSpPr>
-        <p:spPr/>
-      </p:sp>
-      <p:sp>
-        <p:nvSpPr>
-          <p:cNvPr id="3" name="Notes Placeholder 2"/>
-          <p:cNvSpPr>
-            <a:spLocks noGrp="1"/>
-          </p:cNvSpPr>
-          <p:nvPr>
-            <p:ph type="body" idx="1"/>
-          </p:nvPr>
-        </p:nvSpPr>
-        <p:spPr/>
-        <p:txBody>
-          <a:bodyPr/>
-          <a:lstStyle/>
-          <a:p>
-            <a:pPr>
-              <a:buClr>
-                <a:srgbClr val="CF3338"/>
-              </a:buClr>
-            </a:pPr>
-            <a:r>
-              <a:rPr lang="en-US" sz="1200" i="1" dirty="0">
-                <a:solidFill>
-                  <a:srgbClr val="707070"/>
-                </a:solidFill>
-                <a:latin typeface="Pragmatica" panose="020B0403040502020204" pitchFamily="34" charset="0"/>
-              </a:rPr>
-              <a:t>By the end of this book, you should be able to conduct exploratory data analysis and</a:t>
-            </a:r>
-          </a:p>
-          <a:p>
-            <a:pPr>
-              <a:buClr>
-                <a:srgbClr val="CF3338"/>
-              </a:buClr>
-            </a:pPr>
-            <a:r>
-              <a:rPr lang="en-US" sz="1200" i="1" dirty="0">
-                <a:solidFill>
-                  <a:srgbClr val="707070"/>
-                </a:solidFill>
-                <a:latin typeface="Pragmatica" panose="020B0403040502020204" pitchFamily="34" charset="0"/>
-              </a:rPr>
-              <a:t>hypothesis testing using a programming language.</a:t>
-            </a:r>
-          </a:p>
-          <a:p>
-            <a:endParaRPr lang="en-US" dirty="0"/>
-          </a:p>
-        </p:txBody>
-      </p:sp>
-      <p:sp>
-        <p:nvSpPr>
-          <p:cNvPr id="4" name="Slide Number Placeholder 3"/>
-          <p:cNvSpPr>
-            <a:spLocks noGrp="1"/>
-          </p:cNvSpPr>
-          <p:nvPr>
-            <p:ph type="sldNum" sz="quarter" idx="5"/>
-          </p:nvPr>
-        </p:nvSpPr>
-        <p:spPr/>
-        <p:txBody>
-          <a:bodyPr/>
-          <a:lstStyle/>
-          <a:p>
-            <a:fld id="{3BB66621-ADCC-4EF8-8003-B9D3E881DCD2}" type="slidenum">
-              <a:rPr lang="en-US" smtClean="0"/>
-              <a:t>24</a:t>
-            </a:fld>
-            <a:endParaRPr lang="en-US"/>
-          </a:p>
-        </p:txBody>
-      </p:sp>
-    </p:spTree>
-    <p:extLst>
-      <p:ext uri="{BB962C8B-B14F-4D97-AF65-F5344CB8AC3E}">
         <p14:creationId xmlns:p14="http://schemas.microsoft.com/office/powerpoint/2010/main" val="1725553896"/>
       </p:ext>
     </p:extLst>
@@ -4408,7 +4291,7 @@
           <a:p>
             <a:fld id="{0138B082-EFC2-46C1-B47C-51736C670379}" type="datetimeFigureOut">
               <a:rPr lang="en-US" smtClean="0"/>
-              <a:t>1/26/2022</a:t>
+              <a:t>2/16/2022</a:t>
             </a:fld>
             <a:endParaRPr lang="en-US"/>
           </a:p>
@@ -4576,7 +4459,7 @@
           <a:p>
             <a:fld id="{0138B082-EFC2-46C1-B47C-51736C670379}" type="datetimeFigureOut">
               <a:rPr lang="en-US" smtClean="0"/>
-              <a:t>1/26/2022</a:t>
+              <a:t>2/16/2022</a:t>
             </a:fld>
             <a:endParaRPr lang="en-US"/>
           </a:p>
@@ -4754,7 +4637,7 @@
           <a:p>
             <a:fld id="{0138B082-EFC2-46C1-B47C-51736C670379}" type="datetimeFigureOut">
               <a:rPr lang="en-US" smtClean="0"/>
-              <a:t>1/26/2022</a:t>
+              <a:t>2/16/2022</a:t>
             </a:fld>
             <a:endParaRPr lang="en-US"/>
           </a:p>
@@ -4922,7 +4805,7 @@
           <a:p>
             <a:fld id="{0138B082-EFC2-46C1-B47C-51736C670379}" type="datetimeFigureOut">
               <a:rPr lang="en-US" smtClean="0"/>
-              <a:t>1/26/2022</a:t>
+              <a:t>2/16/2022</a:t>
             </a:fld>
             <a:endParaRPr lang="en-US"/>
           </a:p>
@@ -5167,7 +5050,7 @@
           <a:p>
             <a:fld id="{0138B082-EFC2-46C1-B47C-51736C670379}" type="datetimeFigureOut">
               <a:rPr lang="en-US" smtClean="0"/>
-              <a:t>1/26/2022</a:t>
+              <a:t>2/16/2022</a:t>
             </a:fld>
             <a:endParaRPr lang="en-US"/>
           </a:p>
@@ -5396,7 +5279,7 @@
           <a:p>
             <a:fld id="{0138B082-EFC2-46C1-B47C-51736C670379}" type="datetimeFigureOut">
               <a:rPr lang="en-US" smtClean="0"/>
-              <a:t>1/26/2022</a:t>
+              <a:t>2/16/2022</a:t>
             </a:fld>
             <a:endParaRPr lang="en-US"/>
           </a:p>
@@ -5760,7 +5643,7 @@
           <a:p>
             <a:fld id="{0138B082-EFC2-46C1-B47C-51736C670379}" type="datetimeFigureOut">
               <a:rPr lang="en-US" smtClean="0"/>
-              <a:t>1/26/2022</a:t>
+              <a:t>2/16/2022</a:t>
             </a:fld>
             <a:endParaRPr lang="en-US"/>
           </a:p>
@@ -5877,7 +5760,7 @@
           <a:p>
             <a:fld id="{0138B082-EFC2-46C1-B47C-51736C670379}" type="datetimeFigureOut">
               <a:rPr lang="en-US" smtClean="0"/>
-              <a:t>1/26/2022</a:t>
+              <a:t>2/16/2022</a:t>
             </a:fld>
             <a:endParaRPr lang="en-US"/>
           </a:p>
@@ -5972,7 +5855,7 @@
           <a:p>
             <a:fld id="{0138B082-EFC2-46C1-B47C-51736C670379}" type="datetimeFigureOut">
               <a:rPr lang="en-US" smtClean="0"/>
-              <a:t>1/26/2022</a:t>
+              <a:t>2/16/2022</a:t>
             </a:fld>
             <a:endParaRPr lang="en-US"/>
           </a:p>
@@ -6247,7 +6130,7 @@
           <a:p>
             <a:fld id="{0138B082-EFC2-46C1-B47C-51736C670379}" type="datetimeFigureOut">
               <a:rPr lang="en-US" smtClean="0"/>
-              <a:t>1/26/2022</a:t>
+              <a:t>2/16/2022</a:t>
             </a:fld>
             <a:endParaRPr lang="en-US"/>
           </a:p>
@@ -6499,7 +6382,7 @@
           <a:p>
             <a:fld id="{0138B082-EFC2-46C1-B47C-51736C670379}" type="datetimeFigureOut">
               <a:rPr lang="en-US" smtClean="0"/>
-              <a:t>1/26/2022</a:t>
+              <a:t>2/16/2022</a:t>
             </a:fld>
             <a:endParaRPr lang="en-US"/>
           </a:p>
@@ -6710,7 +6593,7 @@
           <a:p>
             <a:fld id="{0138B082-EFC2-46C1-B47C-51736C670379}" type="datetimeFigureOut">
               <a:rPr lang="en-US" smtClean="0"/>
-              <a:t>1/26/2022</a:t>
+              <a:t>2/16/2022</a:t>
             </a:fld>
             <a:endParaRPr lang="en-US"/>
           </a:p>
@@ -7825,7 +7708,7 @@
         </p:nvGraphicFramePr>
         <p:xfrm>
           <a:off x="1014962" y="1685665"/>
-          <a:ext cx="9879062" cy="4741426"/>
+          <a:ext cx="9879062" cy="5130935"/>
         </p:xfrm>
         <a:graphic>
           <a:graphicData uri="http://schemas.openxmlformats.org/drawingml/2006/table">
@@ -10851,269 +10734,6 @@
               <a:rPr lang="en-US" sz="6000" dirty="0">
                 <a:latin typeface="Aliens &amp; cows" panose="00000500000000000000" pitchFamily="2" charset="0"/>
               </a:rPr>
-              <a:t>Take-home activity</a:t>
-            </a:r>
-          </a:p>
-        </p:txBody>
-      </p:sp>
-      <p:sp>
-        <p:nvSpPr>
-          <p:cNvPr id="4" name="TextBox 3">
-            <a:extLst>
-              <a:ext uri="{FF2B5EF4-FFF2-40B4-BE49-F238E27FC236}">
-                <a16:creationId xmlns:a16="http://schemas.microsoft.com/office/drawing/2014/main" id="{5A4F6C64-3E8D-4255-95B8-CF64265213DA}"/>
-              </a:ext>
-            </a:extLst>
-          </p:cNvPr>
-          <p:cNvSpPr txBox="1"/>
-          <p:nvPr/>
-        </p:nvSpPr>
-        <p:spPr>
-          <a:xfrm>
-            <a:off x="347240" y="1479233"/>
-            <a:ext cx="11318287" cy="3539430"/>
-          </a:xfrm>
-          <a:prstGeom prst="rect">
-            <a:avLst/>
-          </a:prstGeom>
-          <a:noFill/>
-        </p:spPr>
-        <p:txBody>
-          <a:bodyPr wrap="square" rtlCol="0">
-            <a:spAutoFit/>
-          </a:bodyPr>
-          <a:lstStyle/>
-          <a:p>
-            <a:pPr marL="457200" indent="-457200">
-              <a:buClr>
-                <a:srgbClr val="CF3338"/>
-              </a:buClr>
-              <a:buFont typeface="Arial" panose="020B0604020202020204" pitchFamily="34" charset="0"/>
-              <a:buChar char="•"/>
-            </a:pPr>
-            <a:r>
-              <a:rPr lang="en-US" sz="2800" dirty="0">
-                <a:solidFill>
-                  <a:srgbClr val="707070"/>
-                </a:solidFill>
-                <a:latin typeface="Pragmatica" panose="020B0403040502020204" pitchFamily="34" charset="0"/>
-              </a:rPr>
-              <a:t>Folder: </a:t>
-            </a:r>
-            <a:r>
-              <a:rPr lang="en-US" sz="2800" dirty="0">
-                <a:solidFill>
-                  <a:srgbClr val="707070"/>
-                </a:solidFill>
-                <a:latin typeface="Consolas" panose="020B0609020204030204" pitchFamily="49" charset="0"/>
-              </a:rPr>
-              <a:t>take-home</a:t>
-            </a:r>
-          </a:p>
-          <a:p>
-            <a:pPr marL="457200" indent="-457200">
-              <a:buClr>
-                <a:srgbClr val="CF3338"/>
-              </a:buClr>
-              <a:buFont typeface="Arial" panose="020B0604020202020204" pitchFamily="34" charset="0"/>
-              <a:buChar char="•"/>
-            </a:pPr>
-            <a:r>
-              <a:rPr lang="en-US" sz="2800" dirty="0">
-                <a:solidFill>
-                  <a:srgbClr val="707070"/>
-                </a:solidFill>
-                <a:latin typeface="Pragmatica" panose="020B0403040502020204"/>
-              </a:rPr>
-              <a:t>Summarize and visualize a dataset in Python “fill in the blank:” </a:t>
-            </a:r>
-            <a:r>
-              <a:rPr lang="en-US" sz="2800" dirty="0">
-                <a:solidFill>
-                  <a:srgbClr val="707070"/>
-                </a:solidFill>
-                <a:latin typeface="Consolas" panose="020B0609020204030204" pitchFamily="49" charset="0"/>
-              </a:rPr>
-              <a:t>five-things-take-</a:t>
-            </a:r>
-            <a:r>
-              <a:rPr lang="en-US" sz="2800" dirty="0" err="1">
-                <a:solidFill>
-                  <a:srgbClr val="707070"/>
-                </a:solidFill>
-                <a:latin typeface="Consolas" panose="020B0609020204030204" pitchFamily="49" charset="0"/>
-              </a:rPr>
-              <a:t>home.ipynb</a:t>
-            </a:r>
-            <a:endParaRPr lang="en-US" sz="2800" dirty="0">
-              <a:solidFill>
-                <a:srgbClr val="707070"/>
-              </a:solidFill>
-              <a:latin typeface="Consolas" panose="020B0609020204030204" pitchFamily="49" charset="0"/>
-            </a:endParaRPr>
-          </a:p>
-          <a:p>
-            <a:pPr marL="457200" indent="-457200">
-              <a:buClr>
-                <a:srgbClr val="CF3338"/>
-              </a:buClr>
-              <a:buFont typeface="Arial" panose="020B0604020202020204" pitchFamily="34" charset="0"/>
-              <a:buChar char="•"/>
-            </a:pPr>
-            <a:r>
-              <a:rPr lang="en-US" sz="2800" dirty="0">
-                <a:solidFill>
-                  <a:srgbClr val="707070"/>
-                </a:solidFill>
-                <a:latin typeface="Pragmatica" panose="020B0403040502020204"/>
-              </a:rPr>
-              <a:t>Solution notebook available: </a:t>
-            </a:r>
-            <a:r>
-              <a:rPr lang="en-US" sz="2800" dirty="0">
-                <a:solidFill>
-                  <a:srgbClr val="707070"/>
-                </a:solidFill>
-                <a:latin typeface="Consolas" panose="020B0609020204030204" pitchFamily="49" charset="0"/>
-              </a:rPr>
-              <a:t>five-things-take-home-</a:t>
-            </a:r>
-            <a:r>
-              <a:rPr lang="en-US" sz="2800" dirty="0" err="1">
-                <a:solidFill>
-                  <a:srgbClr val="707070"/>
-                </a:solidFill>
-                <a:latin typeface="Consolas" panose="020B0609020204030204" pitchFamily="49" charset="0"/>
-              </a:rPr>
-              <a:t>solution.ipynb</a:t>
-            </a:r>
-            <a:endParaRPr lang="en-US" sz="2800" dirty="0">
-              <a:solidFill>
-                <a:srgbClr val="707070"/>
-              </a:solidFill>
-              <a:latin typeface="Consolas" panose="020B0609020204030204" pitchFamily="49" charset="0"/>
-            </a:endParaRPr>
-          </a:p>
-          <a:p>
-            <a:pPr marL="457200" indent="-457200">
-              <a:buClr>
-                <a:srgbClr val="CF3338"/>
-              </a:buClr>
-              <a:buFont typeface="Arial" panose="020B0604020202020204" pitchFamily="34" charset="0"/>
-              <a:buChar char="•"/>
-            </a:pPr>
-            <a:endParaRPr lang="en-US" sz="2800" dirty="0">
-              <a:solidFill>
-                <a:srgbClr val="707070"/>
-              </a:solidFill>
-              <a:latin typeface="Consolas" panose="020B0609020204030204" pitchFamily="49" charset="0"/>
-            </a:endParaRPr>
-          </a:p>
-          <a:p>
-            <a:pPr marL="457200" indent="-457200">
-              <a:buClr>
-                <a:srgbClr val="CF3338"/>
-              </a:buClr>
-              <a:buFont typeface="Arial" panose="020B0604020202020204" pitchFamily="34" charset="0"/>
-              <a:buChar char="•"/>
-            </a:pPr>
-            <a:r>
-              <a:rPr lang="en-US" sz="2800" dirty="0">
-                <a:solidFill>
-                  <a:srgbClr val="707070"/>
-                </a:solidFill>
-                <a:latin typeface="Pragmatica" panose="020B0403040502020204"/>
-              </a:rPr>
-              <a:t>Read the white paper, “Five Things Excel Users Should Know About Python” (included in downloads)</a:t>
-            </a:r>
-          </a:p>
-        </p:txBody>
-      </p:sp>
-    </p:spTree>
-    <p:extLst>
-      <p:ext uri="{BB962C8B-B14F-4D97-AF65-F5344CB8AC3E}">
-        <p14:creationId xmlns:p14="http://schemas.microsoft.com/office/powerpoint/2010/main" val="1850583779"/>
-      </p:ext>
-    </p:extLst>
-  </p:cSld>
-  <p:clrMapOvr>
-    <a:masterClrMapping/>
-  </p:clrMapOvr>
-</p:sld>
-</file>
-
-<file path=ppt/slides/slide24.xml><?xml version="1.0" encoding="utf-8"?>
-<p:sld xmlns:a="http://schemas.openxmlformats.org/drawingml/2006/main" xmlns:r="http://schemas.openxmlformats.org/officeDocument/2006/relationships" xmlns:p="http://schemas.openxmlformats.org/presentationml/2006/main">
-  <p:cSld>
-    <p:spTree>
-      <p:nvGrpSpPr>
-        <p:cNvPr id="1" name=""/>
-        <p:cNvGrpSpPr/>
-        <p:nvPr/>
-      </p:nvGrpSpPr>
-      <p:grpSpPr>
-        <a:xfrm>
-          <a:off x="0" y="0"/>
-          <a:ext cx="0" cy="0"/>
-          <a:chOff x="0" y="0"/>
-          <a:chExt cx="0" cy="0"/>
-        </a:xfrm>
-      </p:grpSpPr>
-      <p:pic>
-        <p:nvPicPr>
-          <p:cNvPr id="10" name="Picture 9"/>
-          <p:cNvPicPr>
-            <a:picLocks noChangeAspect="1"/>
-          </p:cNvPicPr>
-          <p:nvPr/>
-        </p:nvPicPr>
-        <p:blipFill rotWithShape="1">
-          <a:blip r:embed="rId3">
-            <a:extLst>
-              <a:ext uri="{28A0092B-C50C-407E-A947-70E740481C1C}">
-                <a14:useLocalDpi xmlns:a14="http://schemas.microsoft.com/office/drawing/2010/main" val="0"/>
-              </a:ext>
-            </a:extLst>
-          </a:blip>
-          <a:srcRect l="50728" t="56371"/>
-          <a:stretch/>
-        </p:blipFill>
-        <p:spPr>
-          <a:xfrm>
-            <a:off x="10894024" y="5370653"/>
-            <a:ext cx="1297975" cy="1487348"/>
-          </a:xfrm>
-          <a:prstGeom prst="rect">
-            <a:avLst/>
-          </a:prstGeom>
-        </p:spPr>
-      </p:pic>
-      <p:sp>
-        <p:nvSpPr>
-          <p:cNvPr id="11" name="TextBox 10"/>
-          <p:cNvSpPr txBox="1"/>
-          <p:nvPr/>
-        </p:nvSpPr>
-        <p:spPr>
-          <a:xfrm>
-            <a:off x="347240" y="113388"/>
-            <a:ext cx="10861534" cy="1015663"/>
-          </a:xfrm>
-          <a:prstGeom prst="rect">
-            <a:avLst/>
-          </a:prstGeom>
-          <a:noFill/>
-        </p:spPr>
-        <p:txBody>
-          <a:bodyPr wrap="square" rtlCol="0">
-            <a:spAutoFit/>
-          </a:bodyPr>
-          <a:lstStyle/>
-          <a:p>
-            <a:r>
-              <a:rPr lang="en-US" sz="6000" dirty="0">
-                <a:latin typeface="Aliens &amp; cows" panose="00000500000000000000" pitchFamily="2" charset="0"/>
-              </a:rPr>
               <a:t>Want more? </a:t>
             </a:r>
           </a:p>
@@ -11285,7 +10905,7 @@
         </p:blipFill>
         <p:spPr>
           <a:xfrm>
-            <a:off x="6978034" y="1710320"/>
+            <a:off x="7913986" y="1052512"/>
             <a:ext cx="3629025" cy="4752975"/>
           </a:xfrm>
           <a:prstGeom prst="rect">
@@ -11306,7 +10926,7 @@
 </p:sld>
 </file>
 
-<file path=ppt/slides/slide25.xml><?xml version="1.0" encoding="utf-8"?>
+<file path=ppt/slides/slide24.xml><?xml version="1.0" encoding="utf-8"?>
 <p:sld xmlns:a="http://schemas.openxmlformats.org/drawingml/2006/main" xmlns:r="http://schemas.openxmlformats.org/officeDocument/2006/relationships" xmlns:p="http://schemas.openxmlformats.org/presentationml/2006/main">
   <p:cSld>
     <p:spTree>
@@ -12635,7 +12255,7 @@
         <p:spPr>
           <a:xfrm>
             <a:off x="57991" y="218174"/>
-            <a:ext cx="6516429" cy="4832092"/>
+            <a:ext cx="6516429" cy="5262979"/>
           </a:xfrm>
           <a:prstGeom prst="rect">
             <a:avLst/>
@@ -12686,7 +12306,7 @@
                 </a:solidFill>
                 <a:latin typeface="Pragmatica" pitchFamily="2" charset="0"/>
               </a:rPr>
-              <a:t>Download Anaconda</a:t>
+              <a:t>Download Anaconda (or click “launch binder”…)</a:t>
             </a:r>
           </a:p>
           <a:p>
@@ -12929,6 +12549,45 @@
           </a:p>
         </p:txBody>
       </p:sp>
+      <p:pic>
+        <p:nvPicPr>
+          <p:cNvPr id="8" name="Graphic 7">
+            <a:extLst>
+              <a:ext uri="{FF2B5EF4-FFF2-40B4-BE49-F238E27FC236}">
+                <a16:creationId xmlns:a16="http://schemas.microsoft.com/office/drawing/2014/main" id="{C572080D-58C2-42D4-BBBD-BB6081883019}"/>
+              </a:ext>
+            </a:extLst>
+          </p:cNvPr>
+          <p:cNvPicPr>
+            <a:picLocks noChangeAspect="1"/>
+          </p:cNvPicPr>
+          <p:nvPr/>
+        </p:nvPicPr>
+        <p:blipFill>
+          <a:blip r:embed="rId5">
+            <a:extLst>
+              <a:ext uri="{28A0092B-C50C-407E-A947-70E740481C1C}">
+                <a14:useLocalDpi xmlns:a14="http://schemas.microsoft.com/office/drawing/2010/main" val="0"/>
+              </a:ext>
+              <a:ext uri="{96DAC541-7B7A-43D3-8B79-37D633B846F1}">
+                <asvg:svgBlip xmlns:asvg="http://schemas.microsoft.com/office/drawing/2016/SVG/main" r:embed="rId6"/>
+              </a:ext>
+            </a:extLst>
+          </a:blip>
+          <a:stretch>
+            <a:fillRect/>
+          </a:stretch>
+        </p:blipFill>
+        <p:spPr>
+          <a:xfrm>
+            <a:off x="3526305" y="2849663"/>
+            <a:ext cx="2885170" cy="529389"/>
+          </a:xfrm>
+          <a:prstGeom prst="rect">
+            <a:avLst/>
+          </a:prstGeom>
+        </p:spPr>
+      </p:pic>
     </p:spTree>
     <p:extLst>
       <p:ext uri="{BB962C8B-B14F-4D97-AF65-F5344CB8AC3E}">

--- a/python-excel-users-crash-course.pptx
+++ b/python-excel-users-crash-course.pptx
@@ -5,7 +5,7 @@
     <p:sldMasterId id="2147483648" r:id="rId1"/>
   </p:sldMasterIdLst>
   <p:notesMasterIdLst>
-    <p:notesMasterId r:id="rId26"/>
+    <p:notesMasterId r:id="rId27"/>
   </p:notesMasterIdLst>
   <p:sldIdLst>
     <p:sldId id="356" r:id="rId2"/>
@@ -31,7 +31,8 @@
     <p:sldId id="329" r:id="rId22"/>
     <p:sldId id="306" r:id="rId23"/>
     <p:sldId id="433" r:id="rId24"/>
-    <p:sldId id="432" r:id="rId25"/>
+    <p:sldId id="436" r:id="rId25"/>
+    <p:sldId id="432" r:id="rId26"/>
   </p:sldIdLst>
   <p:sldSz cx="12192000" cy="6858000"/>
   <p:notesSz cx="6858000" cy="9144000"/>
@@ -1850,7 +1851,7 @@
           <a:p>
             <a:fld id="{4A469429-6ED5-4301-866D-519E2D1EB5BF}" type="datetimeFigureOut">
               <a:rPr lang="en-US" smtClean="0"/>
-              <a:t>2/16/2022</a:t>
+              <a:t>3/3/2022</a:t>
             </a:fld>
             <a:endParaRPr lang="en-US"/>
           </a:p>
@@ -3501,6 +3502,122 @@
 </p:notes>
 </file>
 
+<file path=ppt/notesSlides/notesSlide23.xml><?xml version="1.0" encoding="utf-8"?>
+<p:notes xmlns:a="http://schemas.openxmlformats.org/drawingml/2006/main" xmlns:r="http://schemas.openxmlformats.org/officeDocument/2006/relationships" xmlns:p="http://schemas.openxmlformats.org/presentationml/2006/main">
+  <p:cSld>
+    <p:spTree>
+      <p:nvGrpSpPr>
+        <p:cNvPr id="1" name=""/>
+        <p:cNvGrpSpPr/>
+        <p:nvPr/>
+      </p:nvGrpSpPr>
+      <p:grpSpPr>
+        <a:xfrm>
+          <a:off x="0" y="0"/>
+          <a:ext cx="0" cy="0"/>
+          <a:chOff x="0" y="0"/>
+          <a:chExt cx="0" cy="0"/>
+        </a:xfrm>
+      </p:grpSpPr>
+      <p:sp>
+        <p:nvSpPr>
+          <p:cNvPr id="2" name="Slide Image Placeholder 1"/>
+          <p:cNvSpPr>
+            <a:spLocks noGrp="1" noRot="1" noChangeAspect="1"/>
+          </p:cNvSpPr>
+          <p:nvPr>
+            <p:ph type="sldImg"/>
+          </p:nvPr>
+        </p:nvSpPr>
+        <p:spPr/>
+      </p:sp>
+      <p:sp>
+        <p:nvSpPr>
+          <p:cNvPr id="3" name="Notes Placeholder 2"/>
+          <p:cNvSpPr>
+            <a:spLocks noGrp="1"/>
+          </p:cNvSpPr>
+          <p:nvPr>
+            <p:ph type="body" idx="1"/>
+          </p:nvPr>
+        </p:nvSpPr>
+        <p:spPr/>
+        <p:txBody>
+          <a:bodyPr/>
+          <a:lstStyle/>
+          <a:p>
+            <a:pPr>
+              <a:buClr>
+                <a:srgbClr val="CF3338"/>
+              </a:buClr>
+            </a:pPr>
+            <a:r>
+              <a:rPr lang="en-US" sz="1200" i="1" dirty="0">
+                <a:solidFill>
+                  <a:srgbClr val="707070"/>
+                </a:solidFill>
+                <a:latin typeface="Pragmatica" panose="020B0403040502020204" pitchFamily="34" charset="0"/>
+              </a:rPr>
+              <a:t>By the end of this book, you should be able to conduct exploratory data analysis and</a:t>
+            </a:r>
+          </a:p>
+          <a:p>
+            <a:pPr>
+              <a:buClr>
+                <a:srgbClr val="CF3338"/>
+              </a:buClr>
+            </a:pPr>
+            <a:r>
+              <a:rPr lang="en-US" sz="1200" i="1" dirty="0">
+                <a:solidFill>
+                  <a:srgbClr val="707070"/>
+                </a:solidFill>
+                <a:latin typeface="Pragmatica" panose="020B0403040502020204" pitchFamily="34" charset="0"/>
+              </a:rPr>
+              <a:t>hypothesis testing using a programming language.</a:t>
+            </a:r>
+          </a:p>
+          <a:p>
+            <a:endParaRPr lang="en-US" dirty="0"/>
+          </a:p>
+        </p:txBody>
+      </p:sp>
+      <p:sp>
+        <p:nvSpPr>
+          <p:cNvPr id="4" name="Slide Number Placeholder 3"/>
+          <p:cNvSpPr>
+            <a:spLocks noGrp="1"/>
+          </p:cNvSpPr>
+          <p:nvPr>
+            <p:ph type="sldNum" sz="quarter" idx="5"/>
+          </p:nvPr>
+        </p:nvSpPr>
+        <p:spPr/>
+        <p:txBody>
+          <a:bodyPr/>
+          <a:lstStyle/>
+          <a:p>
+            <a:fld id="{3BB66621-ADCC-4EF8-8003-B9D3E881DCD2}" type="slidenum">
+              <a:rPr lang="en-US" smtClean="0"/>
+              <a:t>24</a:t>
+            </a:fld>
+            <a:endParaRPr lang="en-US"/>
+          </a:p>
+        </p:txBody>
+      </p:sp>
+    </p:spTree>
+    <p:extLst>
+      <p:ext uri="{BB962C8B-B14F-4D97-AF65-F5344CB8AC3E}">
+        <p14:creationId xmlns:p14="http://schemas.microsoft.com/office/powerpoint/2010/main" val="3626982206"/>
+      </p:ext>
+    </p:extLst>
+  </p:cSld>
+  <p:clrMapOvr>
+    <a:masterClrMapping/>
+  </p:clrMapOvr>
+</p:notes>
+</file>
+
 <file path=ppt/notesSlides/notesSlide3.xml><?xml version="1.0" encoding="utf-8"?>
 <p:notes xmlns:a="http://schemas.openxmlformats.org/drawingml/2006/main" xmlns:r="http://schemas.openxmlformats.org/officeDocument/2006/relationships" xmlns:p="http://schemas.openxmlformats.org/presentationml/2006/main">
   <p:cSld>
@@ -4291,7 +4408,7 @@
           <a:p>
             <a:fld id="{0138B082-EFC2-46C1-B47C-51736C670379}" type="datetimeFigureOut">
               <a:rPr lang="en-US" smtClean="0"/>
-              <a:t>2/16/2022</a:t>
+              <a:t>3/3/2022</a:t>
             </a:fld>
             <a:endParaRPr lang="en-US"/>
           </a:p>
@@ -4459,7 +4576,7 @@
           <a:p>
             <a:fld id="{0138B082-EFC2-46C1-B47C-51736C670379}" type="datetimeFigureOut">
               <a:rPr lang="en-US" smtClean="0"/>
-              <a:t>2/16/2022</a:t>
+              <a:t>3/3/2022</a:t>
             </a:fld>
             <a:endParaRPr lang="en-US"/>
           </a:p>
@@ -4637,7 +4754,7 @@
           <a:p>
             <a:fld id="{0138B082-EFC2-46C1-B47C-51736C670379}" type="datetimeFigureOut">
               <a:rPr lang="en-US" smtClean="0"/>
-              <a:t>2/16/2022</a:t>
+              <a:t>3/3/2022</a:t>
             </a:fld>
             <a:endParaRPr lang="en-US"/>
           </a:p>
@@ -4805,7 +4922,7 @@
           <a:p>
             <a:fld id="{0138B082-EFC2-46C1-B47C-51736C670379}" type="datetimeFigureOut">
               <a:rPr lang="en-US" smtClean="0"/>
-              <a:t>2/16/2022</a:t>
+              <a:t>3/3/2022</a:t>
             </a:fld>
             <a:endParaRPr lang="en-US"/>
           </a:p>
@@ -5050,7 +5167,7 @@
           <a:p>
             <a:fld id="{0138B082-EFC2-46C1-B47C-51736C670379}" type="datetimeFigureOut">
               <a:rPr lang="en-US" smtClean="0"/>
-              <a:t>2/16/2022</a:t>
+              <a:t>3/3/2022</a:t>
             </a:fld>
             <a:endParaRPr lang="en-US"/>
           </a:p>
@@ -5279,7 +5396,7 @@
           <a:p>
             <a:fld id="{0138B082-EFC2-46C1-B47C-51736C670379}" type="datetimeFigureOut">
               <a:rPr lang="en-US" smtClean="0"/>
-              <a:t>2/16/2022</a:t>
+              <a:t>3/3/2022</a:t>
             </a:fld>
             <a:endParaRPr lang="en-US"/>
           </a:p>
@@ -5643,7 +5760,7 @@
           <a:p>
             <a:fld id="{0138B082-EFC2-46C1-B47C-51736C670379}" type="datetimeFigureOut">
               <a:rPr lang="en-US" smtClean="0"/>
-              <a:t>2/16/2022</a:t>
+              <a:t>3/3/2022</a:t>
             </a:fld>
             <a:endParaRPr lang="en-US"/>
           </a:p>
@@ -5760,7 +5877,7 @@
           <a:p>
             <a:fld id="{0138B082-EFC2-46C1-B47C-51736C670379}" type="datetimeFigureOut">
               <a:rPr lang="en-US" smtClean="0"/>
-              <a:t>2/16/2022</a:t>
+              <a:t>3/3/2022</a:t>
             </a:fld>
             <a:endParaRPr lang="en-US"/>
           </a:p>
@@ -5855,7 +5972,7 @@
           <a:p>
             <a:fld id="{0138B082-EFC2-46C1-B47C-51736C670379}" type="datetimeFigureOut">
               <a:rPr lang="en-US" smtClean="0"/>
-              <a:t>2/16/2022</a:t>
+              <a:t>3/3/2022</a:t>
             </a:fld>
             <a:endParaRPr lang="en-US"/>
           </a:p>
@@ -6130,7 +6247,7 @@
           <a:p>
             <a:fld id="{0138B082-EFC2-46C1-B47C-51736C670379}" type="datetimeFigureOut">
               <a:rPr lang="en-US" smtClean="0"/>
-              <a:t>2/16/2022</a:t>
+              <a:t>3/3/2022</a:t>
             </a:fld>
             <a:endParaRPr lang="en-US"/>
           </a:p>
@@ -6382,7 +6499,7 @@
           <a:p>
             <a:fld id="{0138B082-EFC2-46C1-B47C-51736C670379}" type="datetimeFigureOut">
               <a:rPr lang="en-US" smtClean="0"/>
-              <a:t>2/16/2022</a:t>
+              <a:t>3/3/2022</a:t>
             </a:fld>
             <a:endParaRPr lang="en-US"/>
           </a:p>
@@ -6593,7 +6710,7 @@
           <a:p>
             <a:fld id="{0138B082-EFC2-46C1-B47C-51736C670379}" type="datetimeFigureOut">
               <a:rPr lang="en-US" smtClean="0"/>
-              <a:t>2/16/2022</a:t>
+              <a:t>3/3/2022</a:t>
             </a:fld>
             <a:endParaRPr lang="en-US"/>
           </a:p>
@@ -7708,7 +7825,7 @@
         </p:nvGraphicFramePr>
         <p:xfrm>
           <a:off x="1014962" y="1685665"/>
-          <a:ext cx="9879062" cy="5130935"/>
+          <a:ext cx="9879062" cy="4741426"/>
         </p:xfrm>
         <a:graphic>
           <a:graphicData uri="http://schemas.openxmlformats.org/drawingml/2006/table">
@@ -8587,7 +8704,7 @@
         <p:spPr>
           <a:xfrm>
             <a:off x="324091" y="1687545"/>
-            <a:ext cx="7986531" cy="523220"/>
+            <a:ext cx="7986531" cy="954107"/>
           </a:xfrm>
           <a:prstGeom prst="rect">
             <a:avLst/>
@@ -8608,6 +8725,17 @@
                 <a:latin typeface="Pragmatica" panose="020B0403040502020204" pitchFamily="34" charset="0"/>
               </a:rPr>
               <a:t>Questions?</a:t>
+            </a:r>
+          </a:p>
+          <a:p>
+            <a:r>
+              <a:rPr lang="en-US" sz="2800" b="1" i="1" dirty="0">
+                <a:solidFill>
+                  <a:srgbClr val="707070"/>
+                </a:solidFill>
+                <a:latin typeface="Pragmatica" panose="020B0403040502020204" pitchFamily="34" charset="0"/>
+              </a:rPr>
+              <a:t>Who wants to win a book? </a:t>
             </a:r>
           </a:p>
         </p:txBody>
@@ -10517,7 +10645,7 @@
         <p:spPr>
           <a:xfrm>
             <a:off x="324091" y="1687545"/>
-            <a:ext cx="7986531" cy="523220"/>
+            <a:ext cx="7986531" cy="954107"/>
           </a:xfrm>
           <a:prstGeom prst="rect">
             <a:avLst/>
@@ -10539,6 +10667,23 @@
               </a:rPr>
               <a:t>Questions?</a:t>
             </a:r>
+          </a:p>
+          <a:p>
+            <a:r>
+              <a:rPr lang="en-US" sz="2800" b="1" i="1" dirty="0">
+                <a:solidFill>
+                  <a:srgbClr val="707070"/>
+                </a:solidFill>
+                <a:latin typeface="Pragmatica" panose="020B0403040502020204" pitchFamily="34" charset="0"/>
+              </a:rPr>
+              <a:t>Who wants to win a book?</a:t>
+            </a:r>
+            <a:endParaRPr lang="en-US" sz="2800" b="1" dirty="0">
+              <a:solidFill>
+                <a:srgbClr val="707070"/>
+              </a:solidFill>
+              <a:latin typeface="Pragmatica" panose="020B0403040502020204" pitchFamily="34" charset="0"/>
+            </a:endParaRPr>
           </a:p>
         </p:txBody>
       </p:sp>
@@ -10734,6 +10879,268 @@
               <a:rPr lang="en-US" sz="6000" dirty="0">
                 <a:latin typeface="Aliens &amp; cows" panose="00000500000000000000" pitchFamily="2" charset="0"/>
               </a:rPr>
+              <a:t>Free white paper</a:t>
+            </a:r>
+          </a:p>
+        </p:txBody>
+      </p:sp>
+      <p:sp>
+        <p:nvSpPr>
+          <p:cNvPr id="4" name="TextBox 3">
+            <a:extLst>
+              <a:ext uri="{FF2B5EF4-FFF2-40B4-BE49-F238E27FC236}">
+                <a16:creationId xmlns:a16="http://schemas.microsoft.com/office/drawing/2014/main" id="{5A4F6C64-3E8D-4255-95B8-CF64265213DA}"/>
+              </a:ext>
+            </a:extLst>
+          </p:cNvPr>
+          <p:cNvSpPr txBox="1"/>
+          <p:nvPr/>
+        </p:nvSpPr>
+        <p:spPr>
+          <a:xfrm>
+            <a:off x="347240" y="1465093"/>
+            <a:ext cx="5545560" cy="1815882"/>
+          </a:xfrm>
+          <a:prstGeom prst="rect">
+            <a:avLst/>
+          </a:prstGeom>
+          <a:noFill/>
+        </p:spPr>
+        <p:txBody>
+          <a:bodyPr wrap="square" rtlCol="0">
+            <a:spAutoFit/>
+          </a:bodyPr>
+          <a:lstStyle/>
+          <a:p>
+            <a:pPr marL="457200" indent="-457200">
+              <a:buClr>
+                <a:srgbClr val="CF3338"/>
+              </a:buClr>
+              <a:buFont typeface="Arial" panose="020B0604020202020204" pitchFamily="34" charset="0"/>
+              <a:buChar char="•"/>
+            </a:pPr>
+            <a:r>
+              <a:rPr lang="en-US" sz="2800" dirty="0">
+                <a:solidFill>
+                  <a:srgbClr val="707070"/>
+                </a:solidFill>
+                <a:latin typeface="Pragmatica" panose="020B0403040502020204" pitchFamily="34" charset="0"/>
+              </a:rPr>
+              <a:t>Five Things Excel Users Should Know About Python: </a:t>
+            </a:r>
+          </a:p>
+          <a:p>
+            <a:pPr marL="914400" lvl="1" indent="-457200">
+              <a:buClr>
+                <a:srgbClr val="CF3338"/>
+              </a:buClr>
+              <a:buFont typeface="Arial" panose="020B0604020202020204" pitchFamily="34" charset="0"/>
+              <a:buChar char="•"/>
+            </a:pPr>
+            <a:r>
+              <a:rPr lang="en-US" sz="2800" dirty="0">
+                <a:solidFill>
+                  <a:srgbClr val="707070"/>
+                </a:solidFill>
+                <a:latin typeface="Pragmatica" panose="020B0403040502020204" pitchFamily="34" charset="0"/>
+                <a:hlinkClick r:id="rId4"/>
+              </a:rPr>
+              <a:t>https://stringfestanalytics.com/five-things-python-excel/</a:t>
+            </a:r>
+            <a:r>
+              <a:rPr lang="en-US" sz="2800" dirty="0">
+                <a:solidFill>
+                  <a:srgbClr val="707070"/>
+                </a:solidFill>
+                <a:latin typeface="Pragmatica" panose="020B0403040502020204" pitchFamily="34" charset="0"/>
+              </a:rPr>
+              <a:t>  </a:t>
+            </a:r>
+          </a:p>
+        </p:txBody>
+      </p:sp>
+      <p:pic>
+        <p:nvPicPr>
+          <p:cNvPr id="1026" name="Picture 2" descr="Free white paper: Five things Excel users should know about Python">
+            <a:extLst>
+              <a:ext uri="{FF2B5EF4-FFF2-40B4-BE49-F238E27FC236}">
+                <a16:creationId xmlns:a16="http://schemas.microsoft.com/office/drawing/2014/main" id="{F6CDBEE2-3C50-4DF2-A40F-91C2B351852F}"/>
+              </a:ext>
+            </a:extLst>
+          </p:cNvPr>
+          <p:cNvPicPr>
+            <a:picLocks noChangeAspect="1" noChangeArrowheads="1"/>
+          </p:cNvPicPr>
+          <p:nvPr/>
+        </p:nvPicPr>
+        <p:blipFill rotWithShape="1">
+          <a:blip r:embed="rId5">
+            <a:extLst>
+              <a:ext uri="{28A0092B-C50C-407E-A947-70E740481C1C}">
+                <a14:useLocalDpi xmlns:a14="http://schemas.microsoft.com/office/drawing/2010/main" val="0"/>
+              </a:ext>
+            </a:extLst>
+          </a:blip>
+          <a:srcRect l="58250" t="12168" r="6708" b="7481"/>
+          <a:stretch/>
+        </p:blipFill>
+        <p:spPr bwMode="auto">
+          <a:xfrm>
+            <a:off x="7015480" y="494626"/>
+            <a:ext cx="4272280" cy="5510452"/>
+          </a:xfrm>
+          <a:prstGeom prst="rect">
+            <a:avLst/>
+          </a:prstGeom>
+          <a:noFill/>
+          <a:extLst>
+            <a:ext uri="{909E8E84-426E-40DD-AFC4-6F175D3DCCD1}">
+              <a14:hiddenFill xmlns:a14="http://schemas.microsoft.com/office/drawing/2010/main">
+                <a:solidFill>
+                  <a:srgbClr val="FFFFFF"/>
+                </a:solidFill>
+              </a14:hiddenFill>
+            </a:ext>
+          </a:extLst>
+        </p:spPr>
+      </p:pic>
+      <p:sp>
+        <p:nvSpPr>
+          <p:cNvPr id="2" name="Rectangle 1">
+            <a:extLst>
+              <a:ext uri="{FF2B5EF4-FFF2-40B4-BE49-F238E27FC236}">
+                <a16:creationId xmlns:a16="http://schemas.microsoft.com/office/drawing/2014/main" id="{6D8C8708-E9CB-4407-9696-A4EC05F71D89}"/>
+              </a:ext>
+            </a:extLst>
+          </p:cNvPr>
+          <p:cNvSpPr/>
+          <p:nvPr/>
+        </p:nvSpPr>
+        <p:spPr>
+          <a:xfrm>
+            <a:off x="7015480" y="494626"/>
+            <a:ext cx="4282440" cy="5525174"/>
+          </a:xfrm>
+          <a:prstGeom prst="rect">
+            <a:avLst/>
+          </a:prstGeom>
+          <a:noFill/>
+          <a:ln w="12700">
+            <a:solidFill>
+              <a:schemeClr val="tx1"/>
+            </a:solidFill>
+          </a:ln>
+        </p:spPr>
+        <p:style>
+          <a:lnRef idx="2">
+            <a:schemeClr val="accent1">
+              <a:shade val="50000"/>
+            </a:schemeClr>
+          </a:lnRef>
+          <a:fillRef idx="1">
+            <a:schemeClr val="accent1"/>
+          </a:fillRef>
+          <a:effectRef idx="0">
+            <a:schemeClr val="accent1"/>
+          </a:effectRef>
+          <a:fontRef idx="minor">
+            <a:schemeClr val="lt1"/>
+          </a:fontRef>
+        </p:style>
+        <p:txBody>
+          <a:bodyPr rtlCol="0" anchor="ctr"/>
+          <a:lstStyle/>
+          <a:p>
+            <a:pPr algn="ctr"/>
+            <a:endParaRPr lang="en-US"/>
+          </a:p>
+        </p:txBody>
+      </p:sp>
+    </p:spTree>
+    <p:extLst>
+      <p:ext uri="{BB962C8B-B14F-4D97-AF65-F5344CB8AC3E}">
+        <p14:creationId xmlns:p14="http://schemas.microsoft.com/office/powerpoint/2010/main" val="1574051232"/>
+      </p:ext>
+    </p:extLst>
+  </p:cSld>
+  <p:clrMapOvr>
+    <a:masterClrMapping/>
+  </p:clrMapOvr>
+</p:sld>
+</file>
+
+<file path=ppt/slides/slide24.xml><?xml version="1.0" encoding="utf-8"?>
+<p:sld xmlns:a="http://schemas.openxmlformats.org/drawingml/2006/main" xmlns:r="http://schemas.openxmlformats.org/officeDocument/2006/relationships" xmlns:p="http://schemas.openxmlformats.org/presentationml/2006/main">
+  <p:cSld>
+    <p:spTree>
+      <p:nvGrpSpPr>
+        <p:cNvPr id="1" name=""/>
+        <p:cNvGrpSpPr/>
+        <p:nvPr/>
+      </p:nvGrpSpPr>
+      <p:grpSpPr>
+        <a:xfrm>
+          <a:off x="0" y="0"/>
+          <a:ext cx="0" cy="0"/>
+          <a:chOff x="0" y="0"/>
+          <a:chExt cx="0" cy="0"/>
+        </a:xfrm>
+      </p:grpSpPr>
+      <p:pic>
+        <p:nvPicPr>
+          <p:cNvPr id="10" name="Picture 9"/>
+          <p:cNvPicPr>
+            <a:picLocks noChangeAspect="1"/>
+          </p:cNvPicPr>
+          <p:nvPr/>
+        </p:nvPicPr>
+        <p:blipFill rotWithShape="1">
+          <a:blip r:embed="rId3">
+            <a:extLst>
+              <a:ext uri="{28A0092B-C50C-407E-A947-70E740481C1C}">
+                <a14:useLocalDpi xmlns:a14="http://schemas.microsoft.com/office/drawing/2010/main" val="0"/>
+              </a:ext>
+            </a:extLst>
+          </a:blip>
+          <a:srcRect l="50728" t="56371"/>
+          <a:stretch/>
+        </p:blipFill>
+        <p:spPr>
+          <a:xfrm>
+            <a:off x="10894024" y="5370653"/>
+            <a:ext cx="1297975" cy="1487348"/>
+          </a:xfrm>
+          <a:prstGeom prst="rect">
+            <a:avLst/>
+          </a:prstGeom>
+        </p:spPr>
+      </p:pic>
+      <p:sp>
+        <p:nvSpPr>
+          <p:cNvPr id="11" name="TextBox 10"/>
+          <p:cNvSpPr txBox="1"/>
+          <p:nvPr/>
+        </p:nvSpPr>
+        <p:spPr>
+          <a:xfrm>
+            <a:off x="347240" y="113388"/>
+            <a:ext cx="10861534" cy="1015663"/>
+          </a:xfrm>
+          <a:prstGeom prst="rect">
+            <a:avLst/>
+          </a:prstGeom>
+          <a:noFill/>
+        </p:spPr>
+        <p:txBody>
+          <a:bodyPr wrap="square" rtlCol="0">
+            <a:spAutoFit/>
+          </a:bodyPr>
+          <a:lstStyle/>
+          <a:p>
+            <a:r>
+              <a:rPr lang="en-US" sz="6000" dirty="0">
+                <a:latin typeface="Aliens &amp; cows" panose="00000500000000000000" pitchFamily="2" charset="0"/>
+              </a:rPr>
               <a:t>Want more? </a:t>
             </a:r>
           </a:p>
@@ -10854,8 +11261,23 @@
                 </a:solidFill>
                 <a:latin typeface="Pragmatica" panose="020B0403040502020204" pitchFamily="34" charset="0"/>
               </a:rPr>
-              <a:t>Or pick up a paperback</a:t>
-            </a:r>
+              <a:t>Or pick up a paperback/</a:t>
+            </a:r>
+            <a:r>
+              <a:rPr lang="en-US" sz="2800" dirty="0" err="1">
+                <a:solidFill>
+                  <a:srgbClr val="707070"/>
+                </a:solidFill>
+                <a:latin typeface="Pragmatica" panose="020B0403040502020204" pitchFamily="34" charset="0"/>
+              </a:rPr>
+              <a:t>ebook</a:t>
+            </a:r>
+            <a:endParaRPr lang="en-US" sz="2800" dirty="0">
+              <a:solidFill>
+                <a:srgbClr val="707070"/>
+              </a:solidFill>
+              <a:latin typeface="Pragmatica" panose="020B0403040502020204" pitchFamily="34" charset="0"/>
+            </a:endParaRPr>
           </a:p>
           <a:p>
             <a:pPr marL="914400" lvl="1" indent="-457200">
@@ -10916,7 +11338,7 @@
     </p:spTree>
     <p:extLst>
       <p:ext uri="{BB962C8B-B14F-4D97-AF65-F5344CB8AC3E}">
-        <p14:creationId xmlns:p14="http://schemas.microsoft.com/office/powerpoint/2010/main" val="1574051232"/>
+        <p14:creationId xmlns:p14="http://schemas.microsoft.com/office/powerpoint/2010/main" val="76586883"/>
       </p:ext>
     </p:extLst>
   </p:cSld>
@@ -10926,7 +11348,7 @@
 </p:sld>
 </file>
 
-<file path=ppt/slides/slide24.xml><?xml version="1.0" encoding="utf-8"?>
+<file path=ppt/slides/slide25.xml><?xml version="1.0" encoding="utf-8"?>
 <p:sld xmlns:a="http://schemas.openxmlformats.org/drawingml/2006/main" xmlns:r="http://schemas.openxmlformats.org/officeDocument/2006/relationships" xmlns:p="http://schemas.openxmlformats.org/presentationml/2006/main">
   <p:cSld>
     <p:spTree>
@@ -11196,7 +11618,7 @@
         <p:spPr>
           <a:xfrm>
             <a:off x="324091" y="1687545"/>
-            <a:ext cx="7986531" cy="523220"/>
+            <a:ext cx="7986531" cy="954107"/>
           </a:xfrm>
           <a:prstGeom prst="rect">
             <a:avLst/>
@@ -11218,6 +11640,23 @@
               </a:rPr>
               <a:t>Questions?</a:t>
             </a:r>
+          </a:p>
+          <a:p>
+            <a:r>
+              <a:rPr lang="en-US" sz="2800" b="1" i="1" dirty="0">
+                <a:solidFill>
+                  <a:srgbClr val="707070"/>
+                </a:solidFill>
+                <a:latin typeface="Pragmatica" panose="020B0403040502020204" pitchFamily="34" charset="0"/>
+              </a:rPr>
+              <a:t>Who wants to win a book?</a:t>
+            </a:r>
+            <a:endParaRPr lang="en-US" sz="2800" b="1" dirty="0">
+              <a:solidFill>
+                <a:srgbClr val="707070"/>
+              </a:solidFill>
+              <a:latin typeface="Pragmatica" panose="020B0403040502020204" pitchFamily="34" charset="0"/>
+            </a:endParaRPr>
           </a:p>
         </p:txBody>
       </p:sp>

--- a/python-excel-users-crash-course.pptx
+++ b/python-excel-users-crash-course.pptx
@@ -1851,7 +1851,7 @@
           <a:p>
             <a:fld id="{4A469429-6ED5-4301-866D-519E2D1EB5BF}" type="datetimeFigureOut">
               <a:rPr lang="en-US" smtClean="0"/>
-              <a:t>3/3/2022</a:t>
+              <a:t>3/4/2022</a:t>
             </a:fld>
             <a:endParaRPr lang="en-US"/>
           </a:p>
@@ -4408,7 +4408,7 @@
           <a:p>
             <a:fld id="{0138B082-EFC2-46C1-B47C-51736C670379}" type="datetimeFigureOut">
               <a:rPr lang="en-US" smtClean="0"/>
-              <a:t>3/3/2022</a:t>
+              <a:t>3/4/2022</a:t>
             </a:fld>
             <a:endParaRPr lang="en-US"/>
           </a:p>
@@ -4576,7 +4576,7 @@
           <a:p>
             <a:fld id="{0138B082-EFC2-46C1-B47C-51736C670379}" type="datetimeFigureOut">
               <a:rPr lang="en-US" smtClean="0"/>
-              <a:t>3/3/2022</a:t>
+              <a:t>3/4/2022</a:t>
             </a:fld>
             <a:endParaRPr lang="en-US"/>
           </a:p>
@@ -4754,7 +4754,7 @@
           <a:p>
             <a:fld id="{0138B082-EFC2-46C1-B47C-51736C670379}" type="datetimeFigureOut">
               <a:rPr lang="en-US" smtClean="0"/>
-              <a:t>3/3/2022</a:t>
+              <a:t>3/4/2022</a:t>
             </a:fld>
             <a:endParaRPr lang="en-US"/>
           </a:p>
@@ -4922,7 +4922,7 @@
           <a:p>
             <a:fld id="{0138B082-EFC2-46C1-B47C-51736C670379}" type="datetimeFigureOut">
               <a:rPr lang="en-US" smtClean="0"/>
-              <a:t>3/3/2022</a:t>
+              <a:t>3/4/2022</a:t>
             </a:fld>
             <a:endParaRPr lang="en-US"/>
           </a:p>
@@ -5167,7 +5167,7 @@
           <a:p>
             <a:fld id="{0138B082-EFC2-46C1-B47C-51736C670379}" type="datetimeFigureOut">
               <a:rPr lang="en-US" smtClean="0"/>
-              <a:t>3/3/2022</a:t>
+              <a:t>3/4/2022</a:t>
             </a:fld>
             <a:endParaRPr lang="en-US"/>
           </a:p>
@@ -5396,7 +5396,7 @@
           <a:p>
             <a:fld id="{0138B082-EFC2-46C1-B47C-51736C670379}" type="datetimeFigureOut">
               <a:rPr lang="en-US" smtClean="0"/>
-              <a:t>3/3/2022</a:t>
+              <a:t>3/4/2022</a:t>
             </a:fld>
             <a:endParaRPr lang="en-US"/>
           </a:p>
@@ -5760,7 +5760,7 @@
           <a:p>
             <a:fld id="{0138B082-EFC2-46C1-B47C-51736C670379}" type="datetimeFigureOut">
               <a:rPr lang="en-US" smtClean="0"/>
-              <a:t>3/3/2022</a:t>
+              <a:t>3/4/2022</a:t>
             </a:fld>
             <a:endParaRPr lang="en-US"/>
           </a:p>
@@ -5877,7 +5877,7 @@
           <a:p>
             <a:fld id="{0138B082-EFC2-46C1-B47C-51736C670379}" type="datetimeFigureOut">
               <a:rPr lang="en-US" smtClean="0"/>
-              <a:t>3/3/2022</a:t>
+              <a:t>3/4/2022</a:t>
             </a:fld>
             <a:endParaRPr lang="en-US"/>
           </a:p>
@@ -5972,7 +5972,7 @@
           <a:p>
             <a:fld id="{0138B082-EFC2-46C1-B47C-51736C670379}" type="datetimeFigureOut">
               <a:rPr lang="en-US" smtClean="0"/>
-              <a:t>3/3/2022</a:t>
+              <a:t>3/4/2022</a:t>
             </a:fld>
             <a:endParaRPr lang="en-US"/>
           </a:p>
@@ -6247,7 +6247,7 @@
           <a:p>
             <a:fld id="{0138B082-EFC2-46C1-B47C-51736C670379}" type="datetimeFigureOut">
               <a:rPr lang="en-US" smtClean="0"/>
-              <a:t>3/3/2022</a:t>
+              <a:t>3/4/2022</a:t>
             </a:fld>
             <a:endParaRPr lang="en-US"/>
           </a:p>
@@ -6499,7 +6499,7 @@
           <a:p>
             <a:fld id="{0138B082-EFC2-46C1-B47C-51736C670379}" type="datetimeFigureOut">
               <a:rPr lang="en-US" smtClean="0"/>
-              <a:t>3/3/2022</a:t>
+              <a:t>3/4/2022</a:t>
             </a:fld>
             <a:endParaRPr lang="en-US"/>
           </a:p>
@@ -6710,7 +6710,7 @@
           <a:p>
             <a:fld id="{0138B082-EFC2-46C1-B47C-51736C670379}" type="datetimeFigureOut">
               <a:rPr lang="en-US" smtClean="0"/>
-              <a:t>3/3/2022</a:t>
+              <a:t>3/4/2022</a:t>
             </a:fld>
             <a:endParaRPr lang="en-US"/>
           </a:p>
@@ -10325,6 +10325,92 @@
           </a:p>
         </p:txBody>
       </p:sp>
+      <p:pic>
+        <p:nvPicPr>
+          <p:cNvPr id="4" name="Picture 3">
+            <a:extLst>
+              <a:ext uri="{FF2B5EF4-FFF2-40B4-BE49-F238E27FC236}">
+                <a16:creationId xmlns:a16="http://schemas.microsoft.com/office/drawing/2014/main" id="{76BFA9A1-2CDE-4595-AA39-8F7510ACAF1F}"/>
+              </a:ext>
+            </a:extLst>
+          </p:cNvPr>
+          <p:cNvPicPr>
+            <a:picLocks noChangeAspect="1"/>
+          </p:cNvPicPr>
+          <p:nvPr/>
+        </p:nvPicPr>
+        <p:blipFill>
+          <a:blip r:embed="rId5"/>
+          <a:stretch>
+            <a:fillRect/>
+          </a:stretch>
+        </p:blipFill>
+        <p:spPr>
+          <a:xfrm>
+            <a:off x="5705503" y="3457757"/>
+            <a:ext cx="2646645" cy="1042617"/>
+          </a:xfrm>
+          <a:prstGeom prst="rect">
+            <a:avLst/>
+          </a:prstGeom>
+        </p:spPr>
+      </p:pic>
+      <p:sp>
+        <p:nvSpPr>
+          <p:cNvPr id="7" name="TextBox 6">
+            <a:extLst>
+              <a:ext uri="{FF2B5EF4-FFF2-40B4-BE49-F238E27FC236}">
+                <a16:creationId xmlns:a16="http://schemas.microsoft.com/office/drawing/2014/main" id="{EC182BCD-FB9B-4270-8C8C-52D893BD51E4}"/>
+              </a:ext>
+            </a:extLst>
+          </p:cNvPr>
+          <p:cNvSpPr txBox="1"/>
+          <p:nvPr/>
+        </p:nvSpPr>
+        <p:spPr>
+          <a:xfrm>
+            <a:off x="2239085" y="3688698"/>
+            <a:ext cx="3664381" cy="523220"/>
+          </a:xfrm>
+          <a:prstGeom prst="rect">
+            <a:avLst/>
+          </a:prstGeom>
+          <a:noFill/>
+        </p:spPr>
+        <p:txBody>
+          <a:bodyPr wrap="square" rtlCol="0">
+            <a:spAutoFit/>
+          </a:bodyPr>
+          <a:lstStyle/>
+          <a:p>
+            <a:r>
+              <a:rPr lang="en-US" sz="2800" dirty="0">
+                <a:solidFill>
+                  <a:srgbClr val="707070"/>
+                </a:solidFill>
+                <a:latin typeface="Pragmatica" panose="020B0403040502020204" pitchFamily="34" charset="0"/>
+              </a:rPr>
+              <a:t>Follow along …. </a:t>
+            </a:r>
+            <a:r>
+              <a:rPr lang="en-US" sz="2800" dirty="0">
+                <a:solidFill>
+                  <a:srgbClr val="707070"/>
+                </a:solidFill>
+                <a:latin typeface="Pragmatica" panose="020B0403040502020204" pitchFamily="34" charset="0"/>
+                <a:sym typeface="Wingdings" panose="05000000000000000000" pitchFamily="2" charset="2"/>
+              </a:rPr>
+              <a:t></a:t>
+            </a:r>
+            <a:endParaRPr lang="en-US" sz="2800" dirty="0">
+              <a:solidFill>
+                <a:srgbClr val="707070"/>
+              </a:solidFill>
+              <a:latin typeface="Pragmatica" panose="020B0403040502020204" pitchFamily="34" charset="0"/>
+            </a:endParaRPr>
+          </a:p>
+        </p:txBody>
+      </p:sp>
     </p:spTree>
     <p:extLst>
       <p:ext uri="{BB962C8B-B14F-4D97-AF65-F5344CB8AC3E}">

--- a/python-excel-users-crash-course.pptx
+++ b/python-excel-users-crash-course.pptx
@@ -5,34 +5,35 @@
     <p:sldMasterId id="2147483648" r:id="rId1"/>
   </p:sldMasterIdLst>
   <p:notesMasterIdLst>
-    <p:notesMasterId r:id="rId27"/>
+    <p:notesMasterId r:id="rId28"/>
   </p:notesMasterIdLst>
   <p:sldIdLst>
     <p:sldId id="356" r:id="rId2"/>
-    <p:sldId id="258" r:id="rId3"/>
-    <p:sldId id="435" r:id="rId4"/>
-    <p:sldId id="267" r:id="rId5"/>
-    <p:sldId id="352" r:id="rId6"/>
-    <p:sldId id="328" r:id="rId7"/>
-    <p:sldId id="324" r:id="rId8"/>
-    <p:sldId id="341" r:id="rId9"/>
-    <p:sldId id="348" r:id="rId10"/>
-    <p:sldId id="340" r:id="rId11"/>
-    <p:sldId id="275" r:id="rId12"/>
-    <p:sldId id="349" r:id="rId13"/>
-    <p:sldId id="344" r:id="rId14"/>
-    <p:sldId id="351" r:id="rId15"/>
-    <p:sldId id="342" r:id="rId16"/>
-    <p:sldId id="347" r:id="rId17"/>
-    <p:sldId id="354" r:id="rId18"/>
-    <p:sldId id="350" r:id="rId19"/>
-    <p:sldId id="343" r:id="rId20"/>
-    <p:sldId id="355" r:id="rId21"/>
-    <p:sldId id="329" r:id="rId22"/>
-    <p:sldId id="306" r:id="rId23"/>
-    <p:sldId id="433" r:id="rId24"/>
-    <p:sldId id="436" r:id="rId25"/>
-    <p:sldId id="432" r:id="rId26"/>
+    <p:sldId id="437" r:id="rId3"/>
+    <p:sldId id="258" r:id="rId4"/>
+    <p:sldId id="435" r:id="rId5"/>
+    <p:sldId id="267" r:id="rId6"/>
+    <p:sldId id="352" r:id="rId7"/>
+    <p:sldId id="328" r:id="rId8"/>
+    <p:sldId id="324" r:id="rId9"/>
+    <p:sldId id="341" r:id="rId10"/>
+    <p:sldId id="348" r:id="rId11"/>
+    <p:sldId id="340" r:id="rId12"/>
+    <p:sldId id="275" r:id="rId13"/>
+    <p:sldId id="349" r:id="rId14"/>
+    <p:sldId id="344" r:id="rId15"/>
+    <p:sldId id="351" r:id="rId16"/>
+    <p:sldId id="342" r:id="rId17"/>
+    <p:sldId id="347" r:id="rId18"/>
+    <p:sldId id="354" r:id="rId19"/>
+    <p:sldId id="350" r:id="rId20"/>
+    <p:sldId id="343" r:id="rId21"/>
+    <p:sldId id="355" r:id="rId22"/>
+    <p:sldId id="329" r:id="rId23"/>
+    <p:sldId id="306" r:id="rId24"/>
+    <p:sldId id="433" r:id="rId25"/>
+    <p:sldId id="436" r:id="rId26"/>
+    <p:sldId id="432" r:id="rId27"/>
   </p:sldIdLst>
   <p:sldSz cx="12192000" cy="6858000"/>
   <p:notesSz cx="6858000" cy="9144000"/>
@@ -1851,7 +1852,7 @@
           <a:p>
             <a:fld id="{4A469429-6ED5-4301-866D-519E2D1EB5BF}" type="datetimeFigureOut">
               <a:rPr lang="en-US" smtClean="0"/>
-              <a:t>3/4/2022</a:t>
+              <a:t>3/9/2022</a:t>
             </a:fld>
             <a:endParaRPr lang="en-US"/>
           </a:p>
@@ -2246,7 +2247,18 @@
           <a:bodyPr/>
           <a:lstStyle/>
           <a:p>
-            <a:endParaRPr lang="en-US" dirty="0"/>
+            <a:r>
+              <a:rPr lang="en-US" dirty="0"/>
+              <a:t>OK so what we are going to do here is go back to your session or open a new one. Go to the </a:t>
+            </a:r>
+            <a:r>
+              <a:rPr lang="en-US" dirty="0" err="1"/>
+              <a:t>diamonds.r</a:t>
+            </a:r>
+            <a:r>
+              <a:rPr lang="en-US" dirty="0"/>
+              <a:t> dataset. And let’s actually conduct the analysis that was hinted at earlier. </a:t>
+            </a:r>
           </a:p>
         </p:txBody>
       </p:sp>
@@ -2276,7 +2288,7 @@
     </p:spTree>
     <p:extLst>
       <p:ext uri="{BB962C8B-B14F-4D97-AF65-F5344CB8AC3E}">
-        <p14:creationId xmlns:p14="http://schemas.microsoft.com/office/powerpoint/2010/main" val="1548743503"/>
+        <p14:creationId xmlns:p14="http://schemas.microsoft.com/office/powerpoint/2010/main" val="3669274824"/>
       </p:ext>
     </p:extLst>
   </p:cSld>
@@ -2330,10 +2342,7 @@
           <a:bodyPr/>
           <a:lstStyle/>
           <a:p>
-            <a:r>
-              <a:rPr lang="en-US" dirty="0"/>
-              <a:t>Now another thing unique to open source programs is this idea of packages. You can kind of think of this as like add-ins for Excel – the analogy I like to use is as apps on a phone. </a:t>
-            </a:r>
+            <a:endParaRPr lang="en-US" dirty="0"/>
           </a:p>
         </p:txBody>
       </p:sp>
@@ -2363,7 +2372,7 @@
     </p:spTree>
     <p:extLst>
       <p:ext uri="{BB962C8B-B14F-4D97-AF65-F5344CB8AC3E}">
-        <p14:creationId xmlns:p14="http://schemas.microsoft.com/office/powerpoint/2010/main" val="246833019"/>
+        <p14:creationId xmlns:p14="http://schemas.microsoft.com/office/powerpoint/2010/main" val="1548743503"/>
       </p:ext>
     </p:extLst>
   </p:cSld>
@@ -2417,7 +2426,10 @@
           <a:bodyPr/>
           <a:lstStyle/>
           <a:p>
-            <a:endParaRPr lang="en-US" dirty="0"/>
+            <a:r>
+              <a:rPr lang="en-US" dirty="0"/>
+              <a:t>Now another thing unique to open source programs is this idea of packages. You can kind of think of this as like add-ins for Excel – the analogy I like to use is as apps on a phone. </a:t>
+            </a:r>
           </a:p>
         </p:txBody>
       </p:sp>
@@ -2447,7 +2459,7 @@
     </p:spTree>
     <p:extLst>
       <p:ext uri="{BB962C8B-B14F-4D97-AF65-F5344CB8AC3E}">
-        <p14:creationId xmlns:p14="http://schemas.microsoft.com/office/powerpoint/2010/main" val="3230393688"/>
+        <p14:creationId xmlns:p14="http://schemas.microsoft.com/office/powerpoint/2010/main" val="246833019"/>
       </p:ext>
     </p:extLst>
   </p:cSld>
@@ -2501,19 +2513,7 @@
           <a:bodyPr/>
           <a:lstStyle/>
           <a:p>
-            <a:r>
-              <a:rPr lang="en-US" dirty="0"/>
-              <a:t>OK again, what I want to do here is just show you the basics of working with Jupyter. You will see in the repo there is an option to launch an interactive session, so do that and let’s navigate the four sections of Jupyter and get comfortable working there. </a:t>
-            </a:r>
-          </a:p>
-          <a:p>
             <a:endParaRPr lang="en-US" dirty="0"/>
-          </a:p>
-          <a:p>
-            <a:r>
-              <a:rPr lang="en-US" dirty="0"/>
-              <a:t>Possibly come up with some demo notes for this  </a:t>
-            </a:r>
           </a:p>
         </p:txBody>
       </p:sp>
@@ -2543,7 +2543,7 @@
     </p:spTree>
     <p:extLst>
       <p:ext uri="{BB962C8B-B14F-4D97-AF65-F5344CB8AC3E}">
-        <p14:creationId xmlns:p14="http://schemas.microsoft.com/office/powerpoint/2010/main" val="1541855448"/>
+        <p14:creationId xmlns:p14="http://schemas.microsoft.com/office/powerpoint/2010/main" val="3230393688"/>
       </p:ext>
     </p:extLst>
   </p:cSld>
@@ -2599,22 +2599,16 @@
           <a:p>
             <a:r>
               <a:rPr lang="en-US" dirty="0"/>
-              <a:t>Any questions so far about using R? </a:t>
-            </a:r>
+              <a:t>OK again, what I want to do here is just show you the basics of working with Jupyter. You will see in the repo there is an option to launch an interactive session, so do that and let’s navigate the four sections of Jupyter and get comfortable working there. </a:t>
+            </a:r>
+          </a:p>
+          <a:p>
+            <a:endParaRPr lang="en-US" dirty="0"/>
           </a:p>
           <a:p>
             <a:r>
               <a:rPr lang="en-US" dirty="0"/>
-              <a:t>Again I just want to show you how easy it is to get up and running there as an Excel user and what to expect when working with open source programs. </a:t>
-            </a:r>
-          </a:p>
-          <a:p>
-            <a:endParaRPr lang="en-US" dirty="0"/>
-          </a:p>
-          <a:p>
-            <a:r>
-              <a:rPr lang="en-US" dirty="0"/>
-              <a:t>Now I guess one of the questions I might have in your shoes is what’s the big deal, we can do the same kind of stuff with Power Query. So I want to acknowledge that. </a:t>
+              <a:t>Possibly come up with some demo notes for this  </a:t>
             </a:r>
           </a:p>
         </p:txBody>
@@ -2645,7 +2639,7 @@
     </p:spTree>
     <p:extLst>
       <p:ext uri="{BB962C8B-B14F-4D97-AF65-F5344CB8AC3E}">
-        <p14:creationId xmlns:p14="http://schemas.microsoft.com/office/powerpoint/2010/main" val="847681158"/>
+        <p14:creationId xmlns:p14="http://schemas.microsoft.com/office/powerpoint/2010/main" val="1541855448"/>
       </p:ext>
     </p:extLst>
   </p:cSld>
@@ -2699,7 +2693,25 @@
           <a:bodyPr/>
           <a:lstStyle/>
           <a:p>
+            <a:r>
+              <a:rPr lang="en-US" dirty="0"/>
+              <a:t>Any questions so far about using R? </a:t>
+            </a:r>
+          </a:p>
+          <a:p>
+            <a:r>
+              <a:rPr lang="en-US" dirty="0"/>
+              <a:t>Again I just want to show you how easy it is to get up and running there as an Excel user and what to expect when working with open source programs. </a:t>
+            </a:r>
+          </a:p>
+          <a:p>
             <a:endParaRPr lang="en-US" dirty="0"/>
+          </a:p>
+          <a:p>
+            <a:r>
+              <a:rPr lang="en-US" dirty="0"/>
+              <a:t>Now I guess one of the questions I might have in your shoes is what’s the big deal, we can do the same kind of stuff with Power Query. So I want to acknowledge that. </a:t>
+            </a:r>
           </a:p>
         </p:txBody>
       </p:sp>
@@ -2729,7 +2741,7 @@
     </p:spTree>
     <p:extLst>
       <p:ext uri="{BB962C8B-B14F-4D97-AF65-F5344CB8AC3E}">
-        <p14:creationId xmlns:p14="http://schemas.microsoft.com/office/powerpoint/2010/main" val="157423635"/>
+        <p14:creationId xmlns:p14="http://schemas.microsoft.com/office/powerpoint/2010/main" val="847681158"/>
       </p:ext>
     </p:extLst>
   </p:cSld>
@@ -2783,10 +2795,7 @@
           <a:bodyPr/>
           <a:lstStyle/>
           <a:p>
-            <a:r>
-              <a:rPr lang="en-US" dirty="0"/>
-              <a:t>Now another thing unique to open source programs is this idea of packages. You can kind of think of this as like add-ins for Excel – the analogy I like to use is as apps on a phone. </a:t>
-            </a:r>
+            <a:endParaRPr lang="en-US" dirty="0"/>
           </a:p>
         </p:txBody>
       </p:sp>
@@ -2816,7 +2825,7 @@
     </p:spTree>
     <p:extLst>
       <p:ext uri="{BB962C8B-B14F-4D97-AF65-F5344CB8AC3E}">
-        <p14:creationId xmlns:p14="http://schemas.microsoft.com/office/powerpoint/2010/main" val="2453663335"/>
+        <p14:creationId xmlns:p14="http://schemas.microsoft.com/office/powerpoint/2010/main" val="157423635"/>
       </p:ext>
     </p:extLst>
   </p:cSld>
@@ -2903,7 +2912,7 @@
     </p:spTree>
     <p:extLst>
       <p:ext uri="{BB962C8B-B14F-4D97-AF65-F5344CB8AC3E}">
-        <p14:creationId xmlns:p14="http://schemas.microsoft.com/office/powerpoint/2010/main" val="4160286385"/>
+        <p14:creationId xmlns:p14="http://schemas.microsoft.com/office/powerpoint/2010/main" val="2453663335"/>
       </p:ext>
     </p:extLst>
   </p:cSld>
@@ -2959,24 +2968,7 @@
           <a:p>
             <a:r>
               <a:rPr lang="en-US" dirty="0"/>
-              <a:t>One of the things that people get confused about is why learn Python if you’re getting into Power Query… or which to focus on.</a:t>
-            </a:r>
-          </a:p>
-          <a:p>
-            <a:endParaRPr lang="en-US" dirty="0"/>
-          </a:p>
-          <a:p>
-            <a:r>
-              <a:rPr lang="en-US" dirty="0"/>
-              <a:t>You’re not leaving Microsoft’s stack. I have some documentation and a great book here. Now of course these are more about </a:t>
-            </a:r>
-            <a:r>
-              <a:rPr lang="en-US" dirty="0" err="1"/>
-              <a:t>PowerBI</a:t>
-            </a:r>
-            <a:r>
-              <a:rPr lang="en-US" dirty="0"/>
-              <a:t> but there’s every indication there’s more to come with Excel. </a:t>
+              <a:t>Now another thing unique to open source programs is this idea of packages. You can kind of think of this as like add-ins for Excel – the analogy I like to use is as apps on a phone. </a:t>
             </a:r>
           </a:p>
         </p:txBody>
@@ -3007,7 +2999,7 @@
     </p:spTree>
     <p:extLst>
       <p:ext uri="{BB962C8B-B14F-4D97-AF65-F5344CB8AC3E}">
-        <p14:creationId xmlns:p14="http://schemas.microsoft.com/office/powerpoint/2010/main" val="748458497"/>
+        <p14:creationId xmlns:p14="http://schemas.microsoft.com/office/powerpoint/2010/main" val="4160286385"/>
       </p:ext>
     </p:extLst>
   </p:cSld>
@@ -3063,7 +3055,24 @@
           <a:p>
             <a:r>
               <a:rPr lang="en-US" dirty="0"/>
-              <a:t>Now this is scary, it’s literally learning another language! </a:t>
+              <a:t>One of the things that people get confused about is why learn Python if you’re getting into Power Query… or which to focus on.</a:t>
+            </a:r>
+          </a:p>
+          <a:p>
+            <a:endParaRPr lang="en-US" dirty="0"/>
+          </a:p>
+          <a:p>
+            <a:r>
+              <a:rPr lang="en-US" dirty="0"/>
+              <a:t>You’re not leaving Microsoft’s stack. I have some documentation and a great book here. Now of course these are more about </a:t>
+            </a:r>
+            <a:r>
+              <a:rPr lang="en-US" dirty="0" err="1"/>
+              <a:t>PowerBI</a:t>
+            </a:r>
+            <a:r>
+              <a:rPr lang="en-US" dirty="0"/>
+              <a:t> but there’s every indication there’s more to come with Excel. </a:t>
             </a:r>
           </a:p>
         </p:txBody>
@@ -3094,7 +3103,7 @@
     </p:spTree>
     <p:extLst>
       <p:ext uri="{BB962C8B-B14F-4D97-AF65-F5344CB8AC3E}">
-        <p14:creationId xmlns:p14="http://schemas.microsoft.com/office/powerpoint/2010/main" val="3399850265"/>
+        <p14:creationId xmlns:p14="http://schemas.microsoft.com/office/powerpoint/2010/main" val="748458497"/>
       </p:ext>
     </p:extLst>
   </p:cSld>
@@ -3148,6 +3157,38 @@
           <a:bodyPr/>
           <a:lstStyle/>
           <a:p>
+            <a:pPr>
+              <a:buClr>
+                <a:srgbClr val="CF3338"/>
+              </a:buClr>
+            </a:pPr>
+            <a:r>
+              <a:rPr lang="en-US" sz="1200" i="1" dirty="0">
+                <a:solidFill>
+                  <a:srgbClr val="707070"/>
+                </a:solidFill>
+                <a:latin typeface="Pragmatica" panose="020B0403040502020204" pitchFamily="34" charset="0"/>
+              </a:rPr>
+              <a:t>By the end of this book, you should be able to conduct exploratory data analysis and</a:t>
+            </a:r>
+          </a:p>
+          <a:p>
+            <a:pPr>
+              <a:buClr>
+                <a:srgbClr val="CF3338"/>
+              </a:buClr>
+            </a:pPr>
+            <a:r>
+              <a:rPr lang="en-US" sz="1200" i="1" dirty="0">
+                <a:solidFill>
+                  <a:srgbClr val="707070"/>
+                </a:solidFill>
+                <a:latin typeface="Pragmatica" panose="020B0403040502020204" pitchFamily="34" charset="0"/>
+              </a:rPr>
+              <a:t>hypothesis testing using a programming language.</a:t>
+            </a:r>
+          </a:p>
+          <a:p>
             <a:endParaRPr lang="en-US" dirty="0"/>
           </a:p>
         </p:txBody>
@@ -3178,7 +3219,7 @@
     </p:spTree>
     <p:extLst>
       <p:ext uri="{BB962C8B-B14F-4D97-AF65-F5344CB8AC3E}">
-        <p14:creationId xmlns:p14="http://schemas.microsoft.com/office/powerpoint/2010/main" val="2213468204"/>
+        <p14:creationId xmlns:p14="http://schemas.microsoft.com/office/powerpoint/2010/main" val="2641381598"/>
       </p:ext>
     </p:extLst>
   </p:cSld>
@@ -3234,16 +3275,7 @@
           <a:p>
             <a:r>
               <a:rPr lang="en-US" dirty="0"/>
-              <a:t>OK again, what I want to do here is just show you the basics of working with Jupyter. You will see in the repo there is an option to launch an interactive session, so do that and let’s navigate the four sections of Jupyter and get comfortable working there. </a:t>
-            </a:r>
-          </a:p>
-          <a:p>
-            <a:endParaRPr lang="en-US" dirty="0"/>
-          </a:p>
-          <a:p>
-            <a:r>
-              <a:rPr lang="en-US" dirty="0"/>
-              <a:t>Possibly come up with some demo notes for this  </a:t>
+              <a:t>Now this is scary, it’s literally learning another language! </a:t>
             </a:r>
           </a:p>
         </p:txBody>
@@ -3274,7 +3306,7 @@
     </p:spTree>
     <p:extLst>
       <p:ext uri="{BB962C8B-B14F-4D97-AF65-F5344CB8AC3E}">
-        <p14:creationId xmlns:p14="http://schemas.microsoft.com/office/powerpoint/2010/main" val="2244508521"/>
+        <p14:creationId xmlns:p14="http://schemas.microsoft.com/office/powerpoint/2010/main" val="3399850265"/>
       </p:ext>
     </p:extLst>
   </p:cSld>
@@ -3330,22 +3362,16 @@
           <a:p>
             <a:r>
               <a:rPr lang="en-US" dirty="0"/>
-              <a:t>Any questions so far about using R? </a:t>
-            </a:r>
+              <a:t>OK again, what I want to do here is just show you the basics of working with Jupyter. You will see in the repo there is an option to launch an interactive session, so do that and let’s navigate the four sections of Jupyter and get comfortable working there. </a:t>
+            </a:r>
+          </a:p>
+          <a:p>
+            <a:endParaRPr lang="en-US" dirty="0"/>
           </a:p>
           <a:p>
             <a:r>
               <a:rPr lang="en-US" dirty="0"/>
-              <a:t>Again I just want to show you how easy it is to get up and running there as an Excel user and what to expect when working with open source programs. </a:t>
-            </a:r>
-          </a:p>
-          <a:p>
-            <a:endParaRPr lang="en-US" dirty="0"/>
-          </a:p>
-          <a:p>
-            <a:r>
-              <a:rPr lang="en-US" dirty="0"/>
-              <a:t>Now I guess one of the questions I might have in your shoes is what’s the big deal, we can do the same kind of stuff with Power Query. So I want to acknowledge that. </a:t>
+              <a:t>Possibly come up with some demo notes for this  </a:t>
             </a:r>
           </a:p>
         </p:txBody>
@@ -3376,7 +3402,7 @@
     </p:spTree>
     <p:extLst>
       <p:ext uri="{BB962C8B-B14F-4D97-AF65-F5344CB8AC3E}">
-        <p14:creationId xmlns:p14="http://schemas.microsoft.com/office/powerpoint/2010/main" val="2041702506"/>
+        <p14:creationId xmlns:p14="http://schemas.microsoft.com/office/powerpoint/2010/main" val="2244508521"/>
       </p:ext>
     </p:extLst>
   </p:cSld>
@@ -3430,39 +3456,25 @@
           <a:bodyPr/>
           <a:lstStyle/>
           <a:p>
-            <a:pPr>
-              <a:buClr>
-                <a:srgbClr val="CF3338"/>
-              </a:buClr>
-            </a:pPr>
-            <a:r>
-              <a:rPr lang="en-US" sz="1200" i="1" dirty="0">
-                <a:solidFill>
-                  <a:srgbClr val="707070"/>
-                </a:solidFill>
-                <a:latin typeface="Pragmatica" panose="020B0403040502020204" pitchFamily="34" charset="0"/>
-              </a:rPr>
-              <a:t>By the end of this book, you should be able to conduct exploratory data analysis and</a:t>
-            </a:r>
-          </a:p>
-          <a:p>
-            <a:pPr>
-              <a:buClr>
-                <a:srgbClr val="CF3338"/>
-              </a:buClr>
-            </a:pPr>
-            <a:r>
-              <a:rPr lang="en-US" sz="1200" i="1" dirty="0">
-                <a:solidFill>
-                  <a:srgbClr val="707070"/>
-                </a:solidFill>
-                <a:latin typeface="Pragmatica" panose="020B0403040502020204" pitchFamily="34" charset="0"/>
-              </a:rPr>
-              <a:t>hypothesis testing using a programming language.</a:t>
+            <a:r>
+              <a:rPr lang="en-US" dirty="0"/>
+              <a:t>Any questions so far about using R? </a:t>
+            </a:r>
+          </a:p>
+          <a:p>
+            <a:r>
+              <a:rPr lang="en-US" dirty="0"/>
+              <a:t>Again I just want to show you how easy it is to get up and running there as an Excel user and what to expect when working with open source programs. </a:t>
             </a:r>
           </a:p>
           <a:p>
             <a:endParaRPr lang="en-US" dirty="0"/>
+          </a:p>
+          <a:p>
+            <a:r>
+              <a:rPr lang="en-US" dirty="0"/>
+              <a:t>Now I guess one of the questions I might have in your shoes is what’s the big deal, we can do the same kind of stuff with Power Query. So I want to acknowledge that. </a:t>
+            </a:r>
           </a:p>
         </p:txBody>
       </p:sp>
@@ -3483,7 +3495,7 @@
           <a:p>
             <a:fld id="{3BB66621-ADCC-4EF8-8003-B9D3E881DCD2}" type="slidenum">
               <a:rPr lang="en-US" smtClean="0"/>
-              <a:t>23</a:t>
+              <a:t>22</a:t>
             </a:fld>
             <a:endParaRPr lang="en-US"/>
           </a:p>
@@ -3492,7 +3504,7 @@
     </p:spTree>
     <p:extLst>
       <p:ext uri="{BB962C8B-B14F-4D97-AF65-F5344CB8AC3E}">
-        <p14:creationId xmlns:p14="http://schemas.microsoft.com/office/powerpoint/2010/main" val="1725553896"/>
+        <p14:creationId xmlns:p14="http://schemas.microsoft.com/office/powerpoint/2010/main" val="2041702506"/>
       </p:ext>
     </p:extLst>
   </p:cSld>
@@ -3600,6 +3612,122 @@
             <a:fld id="{3BB66621-ADCC-4EF8-8003-B9D3E881DCD2}" type="slidenum">
               <a:rPr lang="en-US" smtClean="0"/>
               <a:t>24</a:t>
+            </a:fld>
+            <a:endParaRPr lang="en-US"/>
+          </a:p>
+        </p:txBody>
+      </p:sp>
+    </p:spTree>
+    <p:extLst>
+      <p:ext uri="{BB962C8B-B14F-4D97-AF65-F5344CB8AC3E}">
+        <p14:creationId xmlns:p14="http://schemas.microsoft.com/office/powerpoint/2010/main" val="1725553896"/>
+      </p:ext>
+    </p:extLst>
+  </p:cSld>
+  <p:clrMapOvr>
+    <a:masterClrMapping/>
+  </p:clrMapOvr>
+</p:notes>
+</file>
+
+<file path=ppt/notesSlides/notesSlide24.xml><?xml version="1.0" encoding="utf-8"?>
+<p:notes xmlns:a="http://schemas.openxmlformats.org/drawingml/2006/main" xmlns:r="http://schemas.openxmlformats.org/officeDocument/2006/relationships" xmlns:p="http://schemas.openxmlformats.org/presentationml/2006/main">
+  <p:cSld>
+    <p:spTree>
+      <p:nvGrpSpPr>
+        <p:cNvPr id="1" name=""/>
+        <p:cNvGrpSpPr/>
+        <p:nvPr/>
+      </p:nvGrpSpPr>
+      <p:grpSpPr>
+        <a:xfrm>
+          <a:off x="0" y="0"/>
+          <a:ext cx="0" cy="0"/>
+          <a:chOff x="0" y="0"/>
+          <a:chExt cx="0" cy="0"/>
+        </a:xfrm>
+      </p:grpSpPr>
+      <p:sp>
+        <p:nvSpPr>
+          <p:cNvPr id="2" name="Slide Image Placeholder 1"/>
+          <p:cNvSpPr>
+            <a:spLocks noGrp="1" noRot="1" noChangeAspect="1"/>
+          </p:cNvSpPr>
+          <p:nvPr>
+            <p:ph type="sldImg"/>
+          </p:nvPr>
+        </p:nvSpPr>
+        <p:spPr/>
+      </p:sp>
+      <p:sp>
+        <p:nvSpPr>
+          <p:cNvPr id="3" name="Notes Placeholder 2"/>
+          <p:cNvSpPr>
+            <a:spLocks noGrp="1"/>
+          </p:cNvSpPr>
+          <p:nvPr>
+            <p:ph type="body" idx="1"/>
+          </p:nvPr>
+        </p:nvSpPr>
+        <p:spPr/>
+        <p:txBody>
+          <a:bodyPr/>
+          <a:lstStyle/>
+          <a:p>
+            <a:pPr>
+              <a:buClr>
+                <a:srgbClr val="CF3338"/>
+              </a:buClr>
+            </a:pPr>
+            <a:r>
+              <a:rPr lang="en-US" sz="1200" i="1" dirty="0">
+                <a:solidFill>
+                  <a:srgbClr val="707070"/>
+                </a:solidFill>
+                <a:latin typeface="Pragmatica" panose="020B0403040502020204" pitchFamily="34" charset="0"/>
+              </a:rPr>
+              <a:t>By the end of this book, you should be able to conduct exploratory data analysis and</a:t>
+            </a:r>
+          </a:p>
+          <a:p>
+            <a:pPr>
+              <a:buClr>
+                <a:srgbClr val="CF3338"/>
+              </a:buClr>
+            </a:pPr>
+            <a:r>
+              <a:rPr lang="en-US" sz="1200" i="1" dirty="0">
+                <a:solidFill>
+                  <a:srgbClr val="707070"/>
+                </a:solidFill>
+                <a:latin typeface="Pragmatica" panose="020B0403040502020204" pitchFamily="34" charset="0"/>
+              </a:rPr>
+              <a:t>hypothesis testing using a programming language.</a:t>
+            </a:r>
+          </a:p>
+          <a:p>
+            <a:endParaRPr lang="en-US" dirty="0"/>
+          </a:p>
+        </p:txBody>
+      </p:sp>
+      <p:sp>
+        <p:nvSpPr>
+          <p:cNvPr id="4" name="Slide Number Placeholder 3"/>
+          <p:cNvSpPr>
+            <a:spLocks noGrp="1"/>
+          </p:cNvSpPr>
+          <p:nvPr>
+            <p:ph type="sldNum" sz="quarter" idx="5"/>
+          </p:nvPr>
+        </p:nvSpPr>
+        <p:spPr/>
+        <p:txBody>
+          <a:bodyPr/>
+          <a:lstStyle/>
+          <a:p>
+            <a:fld id="{3BB66621-ADCC-4EF8-8003-B9D3E881DCD2}" type="slidenum">
+              <a:rPr lang="en-US" smtClean="0"/>
+              <a:t>25</a:t>
             </a:fld>
             <a:endParaRPr lang="en-US"/>
           </a:p>
@@ -3662,25 +3790,7 @@
           <a:bodyPr/>
           <a:lstStyle/>
           <a:p>
-            <a:r>
-              <a:rPr lang="en-US" dirty="0"/>
-              <a:t>Any questions so far about using R? </a:t>
-            </a:r>
-          </a:p>
-          <a:p>
-            <a:r>
-              <a:rPr lang="en-US" dirty="0"/>
-              <a:t>Again I just want to show you how easy it is to get up and running there as an Excel user and what to expect when working with open source programs. </a:t>
-            </a:r>
-          </a:p>
-          <a:p>
             <a:endParaRPr lang="en-US" dirty="0"/>
-          </a:p>
-          <a:p>
-            <a:r>
-              <a:rPr lang="en-US" dirty="0"/>
-              <a:t>Now I guess one of the questions I might have in your shoes is what’s the big deal, we can do the same kind of stuff with Power Query. So I want to acknowledge that. </a:t>
-            </a:r>
           </a:p>
         </p:txBody>
       </p:sp>
@@ -3710,7 +3820,7 @@
     </p:spTree>
     <p:extLst>
       <p:ext uri="{BB962C8B-B14F-4D97-AF65-F5344CB8AC3E}">
-        <p14:creationId xmlns:p14="http://schemas.microsoft.com/office/powerpoint/2010/main" val="524119743"/>
+        <p14:creationId xmlns:p14="http://schemas.microsoft.com/office/powerpoint/2010/main" val="2213468204"/>
       </p:ext>
     </p:extLst>
   </p:cSld>
@@ -3766,13 +3876,22 @@
           <a:p>
             <a:r>
               <a:rPr lang="en-US" dirty="0"/>
-              <a:t>This is different coming from Microsoft, proprietary technology</a:t>
+              <a:t>Any questions so far about using R? </a:t>
             </a:r>
           </a:p>
           <a:p>
             <a:r>
               <a:rPr lang="en-US" dirty="0"/>
-              <a:t>Python is open source what does that mean? </a:t>
+              <a:t>Again I just want to show you how easy it is to get up and running there as an Excel user and what to expect when working with open source programs. </a:t>
+            </a:r>
+          </a:p>
+          <a:p>
+            <a:endParaRPr lang="en-US" dirty="0"/>
+          </a:p>
+          <a:p>
+            <a:r>
+              <a:rPr lang="en-US" dirty="0"/>
+              <a:t>Now I guess one of the questions I might have in your shoes is what’s the big deal, we can do the same kind of stuff with Power Query. So I want to acknowledge that. </a:t>
             </a:r>
           </a:p>
         </p:txBody>
@@ -3803,7 +3922,7 @@
     </p:spTree>
     <p:extLst>
       <p:ext uri="{BB962C8B-B14F-4D97-AF65-F5344CB8AC3E}">
-        <p14:creationId xmlns:p14="http://schemas.microsoft.com/office/powerpoint/2010/main" val="3138835969"/>
+        <p14:creationId xmlns:p14="http://schemas.microsoft.com/office/powerpoint/2010/main" val="524119743"/>
       </p:ext>
     </p:extLst>
   </p:cSld>
@@ -3859,7 +3978,13 @@
           <a:p>
             <a:r>
               <a:rPr lang="en-US" dirty="0"/>
-              <a:t>So this means anyone is free to build on it or redistribute it… and that’s how we’ll get our code </a:t>
+              <a:t>This is different coming from Microsoft, proprietary technology</a:t>
+            </a:r>
+          </a:p>
+          <a:p>
+            <a:r>
+              <a:rPr lang="en-US" dirty="0"/>
+              <a:t>Python is open source what does that mean? </a:t>
             </a:r>
           </a:p>
         </p:txBody>
@@ -3890,7 +4015,7 @@
     </p:spTree>
     <p:extLst>
       <p:ext uri="{BB962C8B-B14F-4D97-AF65-F5344CB8AC3E}">
-        <p14:creationId xmlns:p14="http://schemas.microsoft.com/office/powerpoint/2010/main" val="1413153760"/>
+        <p14:creationId xmlns:p14="http://schemas.microsoft.com/office/powerpoint/2010/main" val="3138835969"/>
       </p:ext>
     </p:extLst>
   </p:cSld>
@@ -3946,15 +4071,7 @@
           <a:p>
             <a:r>
               <a:rPr lang="en-US" dirty="0"/>
-              <a:t>OK now remember that being open source means anyone is free to repackage and redistribute code. In the case of Python the official source code lives with the Python foundation and can be found there. It’s more common however to download from the Anaconda _distribution_ of that code. One of the reasons why is Anaconda comes with some goodies that don’t come with the raw </a:t>
-            </a:r>
-            <a:r>
-              <a:rPr lang="en-US" dirty="0" err="1"/>
-              <a:t>Pyhon</a:t>
-            </a:r>
-            <a:r>
-              <a:rPr lang="en-US" dirty="0"/>
-              <a:t> installation. One of those is the Jupyter notebook, which is a browser-based app we’ll be using to work with Python. </a:t>
+              <a:t>So this means anyone is free to build on it or redistribute it… and that’s how we’ll get our code </a:t>
             </a:r>
           </a:p>
         </p:txBody>
@@ -3985,7 +4102,7 @@
     </p:spTree>
     <p:extLst>
       <p:ext uri="{BB962C8B-B14F-4D97-AF65-F5344CB8AC3E}">
-        <p14:creationId xmlns:p14="http://schemas.microsoft.com/office/powerpoint/2010/main" val="586087745"/>
+        <p14:creationId xmlns:p14="http://schemas.microsoft.com/office/powerpoint/2010/main" val="1413153760"/>
       </p:ext>
     </p:extLst>
   </p:cSld>
@@ -4041,25 +4158,15 @@
           <a:p>
             <a:r>
               <a:rPr lang="en-US" dirty="0"/>
-              <a:t>OK again, what I want to do here is just show you the basics of working with Jupyter. You will see in the repo there is an option to launch an interactive session, so do that and let’s navigate the four sections of Jupyter and get comfortable working there. </a:t>
-            </a:r>
-          </a:p>
-          <a:p>
-            <a:endParaRPr lang="en-US" dirty="0"/>
-          </a:p>
-          <a:p>
+              <a:t>OK now remember that being open source means anyone is free to repackage and redistribute code. In the case of Python the official source code lives with the Python foundation and can be found there. It’s more common however to download from the Anaconda _distribution_ of that code. One of the reasons why is Anaconda comes with some goodies that don’t come with the raw </a:t>
+            </a:r>
+            <a:r>
+              <a:rPr lang="en-US" dirty="0" err="1"/>
+              <a:t>Pyhon</a:t>
+            </a:r>
             <a:r>
               <a:rPr lang="en-US" dirty="0"/>
-              <a:t>In the demo you’ll get a tour of the notebook and how to work a bit with functions and objects. </a:t>
-            </a:r>
-          </a:p>
-          <a:p>
-            <a:endParaRPr lang="en-US" dirty="0"/>
-          </a:p>
-          <a:p>
-            <a:r>
-              <a:rPr lang="en-US" dirty="0"/>
-              <a:t>Possibly come up with some demo notes for this  </a:t>
+              <a:t> installation. One of those is the Jupyter notebook, which is a browser-based app we’ll be using to work with Python. </a:t>
             </a:r>
           </a:p>
         </p:txBody>
@@ -4090,7 +4197,7 @@
     </p:spTree>
     <p:extLst>
       <p:ext uri="{BB962C8B-B14F-4D97-AF65-F5344CB8AC3E}">
-        <p14:creationId xmlns:p14="http://schemas.microsoft.com/office/powerpoint/2010/main" val="2263882747"/>
+        <p14:creationId xmlns:p14="http://schemas.microsoft.com/office/powerpoint/2010/main" val="586087745"/>
       </p:ext>
     </p:extLst>
   </p:cSld>
@@ -4144,7 +4251,28 @@
           <a:bodyPr/>
           <a:lstStyle/>
           <a:p>
+            <a:r>
+              <a:rPr lang="en-US" dirty="0"/>
+              <a:t>OK again, what I want to do here is just show you the basics of working with Jupyter. You will see in the repo there is an option to launch an interactive session, so do that and let’s navigate the four sections of Jupyter and get comfortable working there. </a:t>
+            </a:r>
+          </a:p>
+          <a:p>
             <a:endParaRPr lang="en-US" dirty="0"/>
+          </a:p>
+          <a:p>
+            <a:r>
+              <a:rPr lang="en-US" dirty="0"/>
+              <a:t>In the demo you’ll get a tour of the notebook and how to work a bit with functions and objects. </a:t>
+            </a:r>
+          </a:p>
+          <a:p>
+            <a:endParaRPr lang="en-US" dirty="0"/>
+          </a:p>
+          <a:p>
+            <a:r>
+              <a:rPr lang="en-US" dirty="0"/>
+              <a:t>Possibly come up with some demo notes for this  </a:t>
+            </a:r>
           </a:p>
         </p:txBody>
       </p:sp>
@@ -4174,7 +4302,7 @@
     </p:spTree>
     <p:extLst>
       <p:ext uri="{BB962C8B-B14F-4D97-AF65-F5344CB8AC3E}">
-        <p14:creationId xmlns:p14="http://schemas.microsoft.com/office/powerpoint/2010/main" val="4257777998"/>
+        <p14:creationId xmlns:p14="http://schemas.microsoft.com/office/powerpoint/2010/main" val="2263882747"/>
       </p:ext>
     </p:extLst>
   </p:cSld>
@@ -4228,18 +4356,7 @@
           <a:bodyPr/>
           <a:lstStyle/>
           <a:p>
-            <a:r>
-              <a:rPr lang="en-US" dirty="0"/>
-              <a:t>OK so what we are going to do here is go back to your session or open a new one. Go to the </a:t>
-            </a:r>
-            <a:r>
-              <a:rPr lang="en-US" dirty="0" err="1"/>
-              <a:t>diamonds.r</a:t>
-            </a:r>
-            <a:r>
-              <a:rPr lang="en-US" dirty="0"/>
-              <a:t> dataset. And let’s actually conduct the analysis that was hinted at earlier. </a:t>
-            </a:r>
+            <a:endParaRPr lang="en-US" dirty="0"/>
           </a:p>
         </p:txBody>
       </p:sp>
@@ -4269,7 +4386,7 @@
     </p:spTree>
     <p:extLst>
       <p:ext uri="{BB962C8B-B14F-4D97-AF65-F5344CB8AC3E}">
-        <p14:creationId xmlns:p14="http://schemas.microsoft.com/office/powerpoint/2010/main" val="3669274824"/>
+        <p14:creationId xmlns:p14="http://schemas.microsoft.com/office/powerpoint/2010/main" val="4257777998"/>
       </p:ext>
     </p:extLst>
   </p:cSld>
@@ -4408,7 +4525,7 @@
           <a:p>
             <a:fld id="{0138B082-EFC2-46C1-B47C-51736C670379}" type="datetimeFigureOut">
               <a:rPr lang="en-US" smtClean="0"/>
-              <a:t>3/4/2022</a:t>
+              <a:t>3/9/2022</a:t>
             </a:fld>
             <a:endParaRPr lang="en-US"/>
           </a:p>
@@ -4576,7 +4693,7 @@
           <a:p>
             <a:fld id="{0138B082-EFC2-46C1-B47C-51736C670379}" type="datetimeFigureOut">
               <a:rPr lang="en-US" smtClean="0"/>
-              <a:t>3/4/2022</a:t>
+              <a:t>3/9/2022</a:t>
             </a:fld>
             <a:endParaRPr lang="en-US"/>
           </a:p>
@@ -4754,7 +4871,7 @@
           <a:p>
             <a:fld id="{0138B082-EFC2-46C1-B47C-51736C670379}" type="datetimeFigureOut">
               <a:rPr lang="en-US" smtClean="0"/>
-              <a:t>3/4/2022</a:t>
+              <a:t>3/9/2022</a:t>
             </a:fld>
             <a:endParaRPr lang="en-US"/>
           </a:p>
@@ -4922,7 +5039,7 @@
           <a:p>
             <a:fld id="{0138B082-EFC2-46C1-B47C-51736C670379}" type="datetimeFigureOut">
               <a:rPr lang="en-US" smtClean="0"/>
-              <a:t>3/4/2022</a:t>
+              <a:t>3/9/2022</a:t>
             </a:fld>
             <a:endParaRPr lang="en-US"/>
           </a:p>
@@ -5167,7 +5284,7 @@
           <a:p>
             <a:fld id="{0138B082-EFC2-46C1-B47C-51736C670379}" type="datetimeFigureOut">
               <a:rPr lang="en-US" smtClean="0"/>
-              <a:t>3/4/2022</a:t>
+              <a:t>3/9/2022</a:t>
             </a:fld>
             <a:endParaRPr lang="en-US"/>
           </a:p>
@@ -5396,7 +5513,7 @@
           <a:p>
             <a:fld id="{0138B082-EFC2-46C1-B47C-51736C670379}" type="datetimeFigureOut">
               <a:rPr lang="en-US" smtClean="0"/>
-              <a:t>3/4/2022</a:t>
+              <a:t>3/9/2022</a:t>
             </a:fld>
             <a:endParaRPr lang="en-US"/>
           </a:p>
@@ -5760,7 +5877,7 @@
           <a:p>
             <a:fld id="{0138B082-EFC2-46C1-B47C-51736C670379}" type="datetimeFigureOut">
               <a:rPr lang="en-US" smtClean="0"/>
-              <a:t>3/4/2022</a:t>
+              <a:t>3/9/2022</a:t>
             </a:fld>
             <a:endParaRPr lang="en-US"/>
           </a:p>
@@ -5877,7 +5994,7 @@
           <a:p>
             <a:fld id="{0138B082-EFC2-46C1-B47C-51736C670379}" type="datetimeFigureOut">
               <a:rPr lang="en-US" smtClean="0"/>
-              <a:t>3/4/2022</a:t>
+              <a:t>3/9/2022</a:t>
             </a:fld>
             <a:endParaRPr lang="en-US"/>
           </a:p>
@@ -5972,7 +6089,7 @@
           <a:p>
             <a:fld id="{0138B082-EFC2-46C1-B47C-51736C670379}" type="datetimeFigureOut">
               <a:rPr lang="en-US" smtClean="0"/>
-              <a:t>3/4/2022</a:t>
+              <a:t>3/9/2022</a:t>
             </a:fld>
             <a:endParaRPr lang="en-US"/>
           </a:p>
@@ -6247,7 +6364,7 @@
           <a:p>
             <a:fld id="{0138B082-EFC2-46C1-B47C-51736C670379}" type="datetimeFigureOut">
               <a:rPr lang="en-US" smtClean="0"/>
-              <a:t>3/4/2022</a:t>
+              <a:t>3/9/2022</a:t>
             </a:fld>
             <a:endParaRPr lang="en-US"/>
           </a:p>
@@ -6499,7 +6616,7 @@
           <a:p>
             <a:fld id="{0138B082-EFC2-46C1-B47C-51736C670379}" type="datetimeFigureOut">
               <a:rPr lang="en-US" smtClean="0"/>
-              <a:t>3/4/2022</a:t>
+              <a:t>3/9/2022</a:t>
             </a:fld>
             <a:endParaRPr lang="en-US"/>
           </a:p>
@@ -6710,7 +6827,7 @@
           <a:p>
             <a:fld id="{0138B082-EFC2-46C1-B47C-51736C670379}" type="datetimeFigureOut">
               <a:rPr lang="en-US" smtClean="0"/>
-              <a:t>3/4/2022</a:t>
+              <a:t>3/9/2022</a:t>
             </a:fld>
             <a:endParaRPr lang="en-US"/>
           </a:p>
@@ -7306,6 +7423,278 @@
         </p:nvSpPr>
         <p:spPr>
           <a:xfrm>
+            <a:off x="6574420" y="0"/>
+            <a:ext cx="5617580" cy="6858000"/>
+          </a:xfrm>
+          <a:prstGeom prst="rect">
+            <a:avLst/>
+          </a:prstGeom>
+          <a:solidFill>
+            <a:srgbClr val="CF3338"/>
+          </a:solidFill>
+        </p:spPr>
+        <p:style>
+          <a:lnRef idx="2">
+            <a:schemeClr val="accent1">
+              <a:shade val="50000"/>
+            </a:schemeClr>
+          </a:lnRef>
+          <a:fillRef idx="1">
+            <a:schemeClr val="accent1"/>
+          </a:fillRef>
+          <a:effectRef idx="0">
+            <a:schemeClr val="accent1"/>
+          </a:effectRef>
+          <a:fontRef idx="minor">
+            <a:schemeClr val="lt1"/>
+          </a:fontRef>
+        </p:style>
+        <p:txBody>
+          <a:bodyPr rtlCol="0" anchor="ctr"/>
+          <a:lstStyle/>
+          <a:p>
+            <a:pPr algn="ctr"/>
+            <a:endParaRPr lang="en-US"/>
+          </a:p>
+        </p:txBody>
+      </p:sp>
+      <p:sp>
+        <p:nvSpPr>
+          <p:cNvPr id="5" name="TextBox 4"/>
+          <p:cNvSpPr txBox="1"/>
+          <p:nvPr/>
+        </p:nvSpPr>
+        <p:spPr>
+          <a:xfrm>
+            <a:off x="6817489" y="0"/>
+            <a:ext cx="4120587" cy="1446550"/>
+          </a:xfrm>
+          <a:prstGeom prst="rect">
+            <a:avLst/>
+          </a:prstGeom>
+          <a:noFill/>
+        </p:spPr>
+        <p:txBody>
+          <a:bodyPr wrap="square" rtlCol="0">
+            <a:spAutoFit/>
+          </a:bodyPr>
+          <a:lstStyle/>
+          <a:p>
+            <a:r>
+              <a:rPr lang="en-US" sz="8800" dirty="0">
+                <a:solidFill>
+                  <a:schemeClr val="bg1"/>
+                </a:solidFill>
+                <a:latin typeface="Aliens &amp; cows" panose="00000500000000000000" pitchFamily="2" charset="0"/>
+              </a:rPr>
+              <a:t>Demo</a:t>
+            </a:r>
+          </a:p>
+        </p:txBody>
+      </p:sp>
+      <p:pic>
+        <p:nvPicPr>
+          <p:cNvPr id="2" name="Picture 1"/>
+          <p:cNvPicPr>
+            <a:picLocks noChangeAspect="1"/>
+          </p:cNvPicPr>
+          <p:nvPr/>
+        </p:nvPicPr>
+        <p:blipFill rotWithShape="1">
+          <a:blip r:embed="rId3">
+            <a:extLst>
+              <a:ext uri="{28A0092B-C50C-407E-A947-70E740481C1C}">
+                <a14:useLocalDpi xmlns:a14="http://schemas.microsoft.com/office/drawing/2010/main" val="0"/>
+              </a:ext>
+            </a:extLst>
+          </a:blip>
+          <a:srcRect l="69227" t="33418" r="20112" b="50548"/>
+          <a:stretch/>
+        </p:blipFill>
+        <p:spPr>
+          <a:xfrm>
+            <a:off x="10386349" y="5029795"/>
+            <a:ext cx="1805651" cy="1991719"/>
+          </a:xfrm>
+          <a:prstGeom prst="rect">
+            <a:avLst/>
+          </a:prstGeom>
+        </p:spPr>
+      </p:pic>
+      <p:sp>
+        <p:nvSpPr>
+          <p:cNvPr id="3" name="TextBox 2"/>
+          <p:cNvSpPr txBox="1"/>
+          <p:nvPr/>
+        </p:nvSpPr>
+        <p:spPr>
+          <a:xfrm>
+            <a:off x="173620" y="219919"/>
+            <a:ext cx="5937813" cy="954107"/>
+          </a:xfrm>
+          <a:prstGeom prst="rect">
+            <a:avLst/>
+          </a:prstGeom>
+          <a:noFill/>
+        </p:spPr>
+        <p:txBody>
+          <a:bodyPr wrap="square" rtlCol="0">
+            <a:spAutoFit/>
+          </a:bodyPr>
+          <a:lstStyle/>
+          <a:p>
+            <a:r>
+              <a:rPr lang="en-US" sz="2800" b="1" dirty="0">
+                <a:solidFill>
+                  <a:srgbClr val="CF3338"/>
+                </a:solidFill>
+                <a:latin typeface="Pragmatica" pitchFamily="2" charset="0"/>
+              </a:rPr>
+              <a:t>File: </a:t>
+            </a:r>
+            <a:r>
+              <a:rPr lang="en-US" sz="2800" b="1" dirty="0">
+                <a:solidFill>
+                  <a:srgbClr val="CF3338"/>
+                </a:solidFill>
+                <a:latin typeface="Consolas" panose="020B0609020204030204" pitchFamily="49" charset="0"/>
+              </a:rPr>
+              <a:t>thing-2.ipynb</a:t>
+            </a:r>
+          </a:p>
+          <a:p>
+            <a:endParaRPr lang="en-US" sz="2800" b="1" dirty="0">
+              <a:solidFill>
+                <a:srgbClr val="CF3338"/>
+              </a:solidFill>
+              <a:latin typeface="Consolas" panose="020B0609020204030204" pitchFamily="49" charset="0"/>
+            </a:endParaRPr>
+          </a:p>
+        </p:txBody>
+      </p:sp>
+      <p:sp>
+        <p:nvSpPr>
+          <p:cNvPr id="7" name="TextBox 6">
+            <a:extLst>
+              <a:ext uri="{FF2B5EF4-FFF2-40B4-BE49-F238E27FC236}">
+                <a16:creationId xmlns:a16="http://schemas.microsoft.com/office/drawing/2014/main" id="{855BC584-A237-4C91-9DAB-ADA80256CAC8}"/>
+              </a:ext>
+            </a:extLst>
+          </p:cNvPr>
+          <p:cNvSpPr txBox="1"/>
+          <p:nvPr/>
+        </p:nvSpPr>
+        <p:spPr>
+          <a:xfrm>
+            <a:off x="158187" y="1446550"/>
+            <a:ext cx="5937813" cy="1692771"/>
+          </a:xfrm>
+          <a:prstGeom prst="rect">
+            <a:avLst/>
+          </a:prstGeom>
+          <a:noFill/>
+        </p:spPr>
+        <p:txBody>
+          <a:bodyPr wrap="square" rtlCol="0">
+            <a:spAutoFit/>
+          </a:bodyPr>
+          <a:lstStyle/>
+          <a:p>
+            <a:r>
+              <a:rPr lang="en-US" sz="2600" b="1" dirty="0">
+                <a:solidFill>
+                  <a:srgbClr val="CF3338"/>
+                </a:solidFill>
+                <a:latin typeface="Pragmatica" pitchFamily="2" charset="0"/>
+              </a:rPr>
+              <a:t>How does Python handle</a:t>
+            </a:r>
+          </a:p>
+          <a:p>
+            <a:pPr marL="457200" indent="-457200">
+              <a:buFont typeface="Arial" panose="020B0604020202020204" pitchFamily="34" charset="0"/>
+              <a:buChar char="•"/>
+            </a:pPr>
+            <a:r>
+              <a:rPr lang="en-US" sz="2600" b="1" dirty="0">
+                <a:solidFill>
+                  <a:srgbClr val="CF3338"/>
+                </a:solidFill>
+                <a:latin typeface="Pragmatica" pitchFamily="2" charset="0"/>
+              </a:rPr>
+              <a:t>Case sensitivity?</a:t>
+            </a:r>
+          </a:p>
+          <a:p>
+            <a:pPr marL="457200" indent="-457200">
+              <a:buFont typeface="Arial" panose="020B0604020202020204" pitchFamily="34" charset="0"/>
+              <a:buChar char="•"/>
+            </a:pPr>
+            <a:r>
+              <a:rPr lang="en-US" sz="2600" b="1" dirty="0">
+                <a:solidFill>
+                  <a:srgbClr val="CF3338"/>
+                </a:solidFill>
+                <a:latin typeface="Pragmatica" pitchFamily="2" charset="0"/>
+              </a:rPr>
+              <a:t>Indexing?</a:t>
+            </a:r>
+          </a:p>
+          <a:p>
+            <a:pPr marL="457200" indent="-457200">
+              <a:buFont typeface="Arial" panose="020B0604020202020204" pitchFamily="34" charset="0"/>
+              <a:buChar char="•"/>
+            </a:pPr>
+            <a:r>
+              <a:rPr lang="en-US" sz="2600" b="1" dirty="0">
+                <a:solidFill>
+                  <a:srgbClr val="CF3338"/>
+                </a:solidFill>
+                <a:latin typeface="Pragmatica" pitchFamily="2" charset="0"/>
+              </a:rPr>
+              <a:t>Whitespace?</a:t>
+            </a:r>
+          </a:p>
+        </p:txBody>
+      </p:sp>
+    </p:spTree>
+    <p:extLst>
+      <p:ext uri="{BB962C8B-B14F-4D97-AF65-F5344CB8AC3E}">
+        <p14:creationId xmlns:p14="http://schemas.microsoft.com/office/powerpoint/2010/main" val="3395063419"/>
+      </p:ext>
+    </p:extLst>
+  </p:cSld>
+  <p:clrMapOvr>
+    <a:masterClrMapping/>
+  </p:clrMapOvr>
+</p:sld>
+</file>
+
+<file path=ppt/slides/slide11.xml><?xml version="1.0" encoding="utf-8"?>
+<p:sld xmlns:a="http://schemas.openxmlformats.org/drawingml/2006/main" xmlns:r="http://schemas.openxmlformats.org/officeDocument/2006/relationships" xmlns:p="http://schemas.openxmlformats.org/presentationml/2006/main">
+  <p:cSld>
+    <p:spTree>
+      <p:nvGrpSpPr>
+        <p:cNvPr id="1" name=""/>
+        <p:cNvGrpSpPr/>
+        <p:nvPr/>
+      </p:nvGrpSpPr>
+      <p:grpSpPr>
+        <a:xfrm>
+          <a:off x="0" y="0"/>
+          <a:ext cx="0" cy="0"/>
+          <a:chOff x="0" y="0"/>
+          <a:chExt cx="0" cy="0"/>
+        </a:xfrm>
+      </p:grpSpPr>
+      <p:sp>
+        <p:nvSpPr>
+          <p:cNvPr id="4" name="Rectangle 3"/>
+          <p:cNvSpPr/>
+          <p:nvPr/>
+        </p:nvSpPr>
+        <p:spPr>
+          <a:xfrm>
             <a:off x="0" y="0"/>
             <a:ext cx="12192000" cy="6858000"/>
           </a:xfrm>
@@ -7388,7 +7777,7 @@
 </p:sld>
 </file>
 
-<file path=ppt/slides/slide11.xml><?xml version="1.0" encoding="utf-8"?>
+<file path=ppt/slides/slide12.xml><?xml version="1.0" encoding="utf-8"?>
 <p:sld xmlns:a="http://schemas.openxmlformats.org/drawingml/2006/main" xmlns:r="http://schemas.openxmlformats.org/officeDocument/2006/relationships" xmlns:p="http://schemas.openxmlformats.org/presentationml/2006/main">
   <p:cSld>
     <p:spTree>
@@ -7726,7 +8115,7 @@
 </p:sld>
 </file>
 
-<file path=ppt/slides/slide12.xml><?xml version="1.0" encoding="utf-8"?>
+<file path=ppt/slides/slide13.xml><?xml version="1.0" encoding="utf-8"?>
 <p:sld xmlns:a="http://schemas.openxmlformats.org/drawingml/2006/main" xmlns:r="http://schemas.openxmlformats.org/officeDocument/2006/relationships" xmlns:p="http://schemas.openxmlformats.org/presentationml/2006/main">
   <p:cSld>
     <p:spTree>
@@ -8362,7 +8751,7 @@
 </p:sld>
 </file>
 
-<file path=ppt/slides/slide13.xml><?xml version="1.0" encoding="utf-8"?>
+<file path=ppt/slides/slide14.xml><?xml version="1.0" encoding="utf-8"?>
 <p:sld xmlns:a="http://schemas.openxmlformats.org/drawingml/2006/main" xmlns:r="http://schemas.openxmlformats.org/officeDocument/2006/relationships" xmlns:p="http://schemas.openxmlformats.org/presentationml/2006/main">
   <p:cSld>
     <p:spTree>
@@ -8619,7 +9008,7 @@
 </p:sld>
 </file>
 
-<file path=ppt/slides/slide14.xml><?xml version="1.0" encoding="utf-8"?>
+<file path=ppt/slides/slide15.xml><?xml version="1.0" encoding="utf-8"?>
 <p:sld xmlns:a="http://schemas.openxmlformats.org/drawingml/2006/main" xmlns:r="http://schemas.openxmlformats.org/officeDocument/2006/relationships" xmlns:p="http://schemas.openxmlformats.org/presentationml/2006/main">
   <p:cSld>
     <p:spTree>
@@ -8753,7 +9142,7 @@
 </p:sld>
 </file>
 
-<file path=ppt/slides/slide15.xml><?xml version="1.0" encoding="utf-8"?>
+<file path=ppt/slides/slide16.xml><?xml version="1.0" encoding="utf-8"?>
 <p:sld xmlns:a="http://schemas.openxmlformats.org/drawingml/2006/main" xmlns:r="http://schemas.openxmlformats.org/officeDocument/2006/relationships" xmlns:p="http://schemas.openxmlformats.org/presentationml/2006/main">
   <p:cSld>
     <p:spTree>
@@ -8860,7 +9249,7 @@
 </p:sld>
 </file>
 
-<file path=ppt/slides/slide16.xml><?xml version="1.0" encoding="utf-8"?>
+<file path=ppt/slides/slide17.xml><?xml version="1.0" encoding="utf-8"?>
 <p:sld xmlns:a="http://schemas.openxmlformats.org/drawingml/2006/main" xmlns:r="http://schemas.openxmlformats.org/officeDocument/2006/relationships" xmlns:p="http://schemas.openxmlformats.org/presentationml/2006/main">
   <p:cSld>
     <p:spTree>
@@ -9742,7 +10131,7 @@
 </p:sld>
 </file>
 
-<file path=ppt/slides/slide17.xml><?xml version="1.0" encoding="utf-8"?>
+<file path=ppt/slides/slide18.xml><?xml version="1.0" encoding="utf-8"?>
 <p:sld xmlns:a="http://schemas.openxmlformats.org/drawingml/2006/main" xmlns:r="http://schemas.openxmlformats.org/officeDocument/2006/relationships" xmlns:p="http://schemas.openxmlformats.org/presentationml/2006/main">
   <p:cSld>
     <p:spTree>
@@ -9881,7 +10270,7 @@
 </p:sld>
 </file>
 
-<file path=ppt/slides/slide18.xml><?xml version="1.0" encoding="utf-8"?>
+<file path=ppt/slides/slide19.xml><?xml version="1.0" encoding="utf-8"?>
 <p:sld xmlns:a="http://schemas.openxmlformats.org/drawingml/2006/main" xmlns:r="http://schemas.openxmlformats.org/officeDocument/2006/relationships" xmlns:p="http://schemas.openxmlformats.org/presentationml/2006/main">
   <p:cSld>
     <p:spTree>
@@ -10084,113 +10473,6 @@
 </p:sld>
 </file>
 
-<file path=ppt/slides/slide19.xml><?xml version="1.0" encoding="utf-8"?>
-<p:sld xmlns:a="http://schemas.openxmlformats.org/drawingml/2006/main" xmlns:r="http://schemas.openxmlformats.org/officeDocument/2006/relationships" xmlns:p="http://schemas.openxmlformats.org/presentationml/2006/main">
-  <p:cSld>
-    <p:spTree>
-      <p:nvGrpSpPr>
-        <p:cNvPr id="1" name=""/>
-        <p:cNvGrpSpPr/>
-        <p:nvPr/>
-      </p:nvGrpSpPr>
-      <p:grpSpPr>
-        <a:xfrm>
-          <a:off x="0" y="0"/>
-          <a:ext cx="0" cy="0"/>
-          <a:chOff x="0" y="0"/>
-          <a:chExt cx="0" cy="0"/>
-        </a:xfrm>
-      </p:grpSpPr>
-      <p:sp>
-        <p:nvSpPr>
-          <p:cNvPr id="4" name="Rectangle 3"/>
-          <p:cNvSpPr/>
-          <p:nvPr/>
-        </p:nvSpPr>
-        <p:spPr>
-          <a:xfrm>
-            <a:off x="0" y="0"/>
-            <a:ext cx="12192000" cy="6858000"/>
-          </a:xfrm>
-          <a:prstGeom prst="rect">
-            <a:avLst/>
-          </a:prstGeom>
-          <a:solidFill>
-            <a:srgbClr val="CF3338"/>
-          </a:solidFill>
-        </p:spPr>
-        <p:style>
-          <a:lnRef idx="2">
-            <a:schemeClr val="accent1">
-              <a:shade val="50000"/>
-            </a:schemeClr>
-          </a:lnRef>
-          <a:fillRef idx="1">
-            <a:schemeClr val="accent1"/>
-          </a:fillRef>
-          <a:effectRef idx="0">
-            <a:schemeClr val="accent1"/>
-          </a:effectRef>
-          <a:fontRef idx="minor">
-            <a:schemeClr val="lt1"/>
-          </a:fontRef>
-        </p:style>
-        <p:txBody>
-          <a:bodyPr rtlCol="0" anchor="ctr"/>
-          <a:lstStyle/>
-          <a:p>
-            <a:pPr algn="ctr"/>
-            <a:endParaRPr lang="en-US"/>
-          </a:p>
-        </p:txBody>
-      </p:sp>
-      <p:sp>
-        <p:nvSpPr>
-          <p:cNvPr id="5" name="TextBox 4"/>
-          <p:cNvSpPr txBox="1"/>
-          <p:nvPr/>
-        </p:nvSpPr>
-        <p:spPr>
-          <a:xfrm>
-            <a:off x="520861" y="393539"/>
-            <a:ext cx="10324617" cy="2123658"/>
-          </a:xfrm>
-          <a:prstGeom prst="rect">
-            <a:avLst/>
-          </a:prstGeom>
-          <a:noFill/>
-        </p:spPr>
-        <p:txBody>
-          <a:bodyPr wrap="square" rtlCol="0">
-            <a:spAutoFit/>
-          </a:bodyPr>
-          <a:lstStyle/>
-          <a:p>
-            <a:r>
-              <a:rPr lang="en-US" sz="6600" b="1" dirty="0">
-                <a:solidFill>
-                  <a:schemeClr val="bg1"/>
-                </a:solidFill>
-                <a:latin typeface="Pragmatica" panose="020B0403040502020204"/>
-              </a:rPr>
-              <a:t>5. It’s not worth panicking over</a:t>
-            </a:r>
-          </a:p>
-        </p:txBody>
-      </p:sp>
-    </p:spTree>
-    <p:extLst>
-      <p:ext uri="{BB962C8B-B14F-4D97-AF65-F5344CB8AC3E}">
-        <p14:creationId xmlns:p14="http://schemas.microsoft.com/office/powerpoint/2010/main" val="2173197422"/>
-      </p:ext>
-    </p:extLst>
-  </p:cSld>
-  <p:clrMapOvr>
-    <a:masterClrMapping/>
-  </p:clrMapOvr>
-</p:sld>
-</file>
-
 <file path=ppt/slides/slide2.xml><?xml version="1.0" encoding="utf-8"?>
 <p:sld xmlns:a="http://schemas.openxmlformats.org/drawingml/2006/main" xmlns:r="http://schemas.openxmlformats.org/officeDocument/2006/relationships" xmlns:p="http://schemas.openxmlformats.org/presentationml/2006/main">
   <p:cSld>
@@ -10246,7 +10528,7 @@
         <p:spPr>
           <a:xfrm>
             <a:off x="347240" y="113388"/>
-            <a:ext cx="9799937" cy="1015663"/>
+            <a:ext cx="10861534" cy="1015663"/>
           </a:xfrm>
           <a:prstGeom prst="rect">
             <a:avLst/>
@@ -10263,21 +10545,27 @@
               <a:rPr lang="en-US" sz="6000" dirty="0">
                 <a:latin typeface="Aliens &amp; cows" panose="00000500000000000000" pitchFamily="2" charset="0"/>
               </a:rPr>
-              <a:t>Follow along</a:t>
-            </a:r>
-          </a:p>
-        </p:txBody>
-      </p:sp>
-      <p:sp>
-        <p:nvSpPr>
-          <p:cNvPr id="3" name="TextBox 2"/>
+              <a:t>Free white paper</a:t>
+            </a:r>
+          </a:p>
+        </p:txBody>
+      </p:sp>
+      <p:sp>
+        <p:nvSpPr>
+          <p:cNvPr id="4" name="TextBox 3">
+            <a:extLst>
+              <a:ext uri="{FF2B5EF4-FFF2-40B4-BE49-F238E27FC236}">
+                <a16:creationId xmlns:a16="http://schemas.microsoft.com/office/drawing/2014/main" id="{5A4F6C64-3E8D-4255-95B8-CF64265213DA}"/>
+              </a:ext>
+            </a:extLst>
+          </p:cNvPr>
           <p:cNvSpPr txBox="1"/>
           <p:nvPr/>
         </p:nvSpPr>
         <p:spPr>
           <a:xfrm>
-            <a:off x="462988" y="1365813"/>
-            <a:ext cx="8245584" cy="1384995"/>
+            <a:off x="347240" y="1465093"/>
+            <a:ext cx="5545560" cy="1815882"/>
           </a:xfrm>
           <a:prstGeom prst="rect">
             <a:avLst/>
@@ -10290,7 +10578,10 @@
           </a:bodyPr>
           <a:lstStyle/>
           <a:p>
-            <a:pPr marL="285750" indent="-285750">
+            <a:pPr marL="457200" indent="-457200">
+              <a:buClr>
+                <a:srgbClr val="CF3338"/>
+              </a:buClr>
               <a:buFont typeface="Arial" panose="020B0604020202020204" pitchFamily="34" charset="0"/>
               <a:buChar char="•"/>
             </a:pPr>
@@ -10301,8 +10592,17 @@
                 </a:solidFill>
                 <a:latin typeface="Pragmatica" panose="020B0403040502020204" pitchFamily="34" charset="0"/>
               </a:rPr>
-              <a:t>Download and unzip resources: </a:t>
-            </a:r>
+              <a:t>Five Things Excel Users Should Know About Python: </a:t>
+            </a:r>
+          </a:p>
+          <a:p>
+            <a:pPr marL="914400" lvl="1" indent="-457200">
+              <a:buClr>
+                <a:srgbClr val="CF3338"/>
+              </a:buClr>
+              <a:buFont typeface="Arial" panose="020B0604020202020204" pitchFamily="34" charset="0"/>
+              <a:buChar char="•"/>
+            </a:pPr>
             <a:r>
               <a:rPr lang="en-US" sz="2800" dirty="0">
                 <a:solidFill>
@@ -10311,7 +10611,7 @@
                 <a:latin typeface="Pragmatica" panose="020B0403040502020204" pitchFamily="34" charset="0"/>
                 <a:hlinkClick r:id="rId4"/>
               </a:rPr>
-              <a:t>https://github.com/stringfestdata/python-for-excel-users-crash-course</a:t>
+              <a:t>https://stringfestanalytics.com/five-things-python-excel/</a:t>
             </a:r>
             <a:r>
               <a:rPr lang="en-US" sz="2800" dirty="0">
@@ -10327,94 +10627,105 @@
       </p:sp>
       <p:pic>
         <p:nvPicPr>
-          <p:cNvPr id="4" name="Picture 3">
+          <p:cNvPr id="1026" name="Picture 2" descr="Free white paper: Five things Excel users should know about Python">
             <a:extLst>
               <a:ext uri="{FF2B5EF4-FFF2-40B4-BE49-F238E27FC236}">
-                <a16:creationId xmlns:a16="http://schemas.microsoft.com/office/drawing/2014/main" id="{76BFA9A1-2CDE-4595-AA39-8F7510ACAF1F}"/>
+                <a16:creationId xmlns:a16="http://schemas.microsoft.com/office/drawing/2014/main" id="{F6CDBEE2-3C50-4DF2-A40F-91C2B351852F}"/>
               </a:ext>
             </a:extLst>
           </p:cNvPr>
           <p:cNvPicPr>
-            <a:picLocks noChangeAspect="1"/>
+            <a:picLocks noChangeAspect="1" noChangeArrowheads="1"/>
           </p:cNvPicPr>
           <p:nvPr/>
         </p:nvPicPr>
-        <p:blipFill>
-          <a:blip r:embed="rId5"/>
-          <a:stretch>
-            <a:fillRect/>
-          </a:stretch>
-        </p:blipFill>
-        <p:spPr>
-          <a:xfrm>
-            <a:off x="5705503" y="3457757"/>
-            <a:ext cx="2646645" cy="1042617"/>
-          </a:xfrm>
-          <a:prstGeom prst="rect">
-            <a:avLst/>
-          </a:prstGeom>
-        </p:spPr>
-      </p:pic>
-      <p:sp>
-        <p:nvSpPr>
-          <p:cNvPr id="7" name="TextBox 6">
+        <p:blipFill rotWithShape="1">
+          <a:blip r:embed="rId5">
             <a:extLst>
-              <a:ext uri="{FF2B5EF4-FFF2-40B4-BE49-F238E27FC236}">
-                <a16:creationId xmlns:a16="http://schemas.microsoft.com/office/drawing/2014/main" id="{EC182BCD-FB9B-4270-8C8C-52D893BD51E4}"/>
+              <a:ext uri="{28A0092B-C50C-407E-A947-70E740481C1C}">
+                <a14:useLocalDpi xmlns:a14="http://schemas.microsoft.com/office/drawing/2010/main" val="0"/>
               </a:ext>
             </a:extLst>
-          </p:cNvPr>
-          <p:cNvSpPr txBox="1"/>
-          <p:nvPr/>
-        </p:nvSpPr>
-        <p:spPr>
+          </a:blip>
+          <a:srcRect l="58250" t="12168" r="6708" b="7481"/>
+          <a:stretch/>
+        </p:blipFill>
+        <p:spPr bwMode="auto">
           <a:xfrm>
-            <a:off x="2239085" y="3688698"/>
-            <a:ext cx="3664381" cy="523220"/>
+            <a:off x="7015480" y="494626"/>
+            <a:ext cx="4272280" cy="5510452"/>
           </a:xfrm>
           <a:prstGeom prst="rect">
             <a:avLst/>
           </a:prstGeom>
           <a:noFill/>
+          <a:extLst>
+            <a:ext uri="{909E8E84-426E-40DD-AFC4-6F175D3DCCD1}">
+              <a14:hiddenFill xmlns:a14="http://schemas.microsoft.com/office/drawing/2010/main">
+                <a:solidFill>
+                  <a:srgbClr val="FFFFFF"/>
+                </a:solidFill>
+              </a14:hiddenFill>
+            </a:ext>
+          </a:extLst>
         </p:spPr>
-        <p:txBody>
-          <a:bodyPr wrap="square" rtlCol="0">
-            <a:spAutoFit/>
-          </a:bodyPr>
-          <a:lstStyle/>
-          <a:p>
-            <a:r>
-              <a:rPr lang="en-US" sz="2800" dirty="0">
-                <a:solidFill>
-                  <a:srgbClr val="707070"/>
-                </a:solidFill>
-                <a:latin typeface="Pragmatica" panose="020B0403040502020204" pitchFamily="34" charset="0"/>
-              </a:rPr>
-              <a:t>Follow along …. </a:t>
-            </a:r>
-            <a:r>
-              <a:rPr lang="en-US" sz="2800" dirty="0">
-                <a:solidFill>
-                  <a:srgbClr val="707070"/>
-                </a:solidFill>
-                <a:latin typeface="Pragmatica" panose="020B0403040502020204" pitchFamily="34" charset="0"/>
-                <a:sym typeface="Wingdings" panose="05000000000000000000" pitchFamily="2" charset="2"/>
-              </a:rPr>
-              <a:t></a:t>
-            </a:r>
-            <a:endParaRPr lang="en-US" sz="2800" dirty="0">
-              <a:solidFill>
-                <a:srgbClr val="707070"/>
-              </a:solidFill>
-              <a:latin typeface="Pragmatica" panose="020B0403040502020204" pitchFamily="34" charset="0"/>
-            </a:endParaRPr>
+      </p:pic>
+      <p:sp>
+        <p:nvSpPr>
+          <p:cNvPr id="2" name="Rectangle 1">
+            <a:extLst>
+              <a:ext uri="{FF2B5EF4-FFF2-40B4-BE49-F238E27FC236}">
+                <a16:creationId xmlns:a16="http://schemas.microsoft.com/office/drawing/2014/main" id="{6D8C8708-E9CB-4407-9696-A4EC05F71D89}"/>
+              </a:ext>
+            </a:extLst>
+          </p:cNvPr>
+          <p:cNvSpPr/>
+          <p:nvPr/>
+        </p:nvSpPr>
+        <p:spPr>
+          <a:xfrm>
+            <a:off x="7015480" y="494626"/>
+            <a:ext cx="4282440" cy="5525174"/>
+          </a:xfrm>
+          <a:prstGeom prst="rect">
+            <a:avLst/>
+          </a:prstGeom>
+          <a:noFill/>
+          <a:ln w="12700">
+            <a:solidFill>
+              <a:schemeClr val="tx1"/>
+            </a:solidFill>
+          </a:ln>
+        </p:spPr>
+        <p:style>
+          <a:lnRef idx="2">
+            <a:schemeClr val="accent1">
+              <a:shade val="50000"/>
+            </a:schemeClr>
+          </a:lnRef>
+          <a:fillRef idx="1">
+            <a:schemeClr val="accent1"/>
+          </a:fillRef>
+          <a:effectRef idx="0">
+            <a:schemeClr val="accent1"/>
+          </a:effectRef>
+          <a:fontRef idx="minor">
+            <a:schemeClr val="lt1"/>
+          </a:fontRef>
+        </p:style>
+        <p:txBody>
+          <a:bodyPr rtlCol="0" anchor="ctr"/>
+          <a:lstStyle/>
+          <a:p>
+            <a:pPr algn="ctr"/>
+            <a:endParaRPr lang="en-US"/>
           </a:p>
         </p:txBody>
       </p:sp>
     </p:spTree>
     <p:extLst>
       <p:ext uri="{BB962C8B-B14F-4D97-AF65-F5344CB8AC3E}">
-        <p14:creationId xmlns:p14="http://schemas.microsoft.com/office/powerpoint/2010/main" val="3830029867"/>
+        <p14:creationId xmlns:p14="http://schemas.microsoft.com/office/powerpoint/2010/main" val="1118688944"/>
       </p:ext>
     </p:extLst>
   </p:cSld>
@@ -10425,6 +10736,113 @@
 </file>
 
 <file path=ppt/slides/slide20.xml><?xml version="1.0" encoding="utf-8"?>
+<p:sld xmlns:a="http://schemas.openxmlformats.org/drawingml/2006/main" xmlns:r="http://schemas.openxmlformats.org/officeDocument/2006/relationships" xmlns:p="http://schemas.openxmlformats.org/presentationml/2006/main">
+  <p:cSld>
+    <p:spTree>
+      <p:nvGrpSpPr>
+        <p:cNvPr id="1" name=""/>
+        <p:cNvGrpSpPr/>
+        <p:nvPr/>
+      </p:nvGrpSpPr>
+      <p:grpSpPr>
+        <a:xfrm>
+          <a:off x="0" y="0"/>
+          <a:ext cx="0" cy="0"/>
+          <a:chOff x="0" y="0"/>
+          <a:chExt cx="0" cy="0"/>
+        </a:xfrm>
+      </p:grpSpPr>
+      <p:sp>
+        <p:nvSpPr>
+          <p:cNvPr id="4" name="Rectangle 3"/>
+          <p:cNvSpPr/>
+          <p:nvPr/>
+        </p:nvSpPr>
+        <p:spPr>
+          <a:xfrm>
+            <a:off x="0" y="0"/>
+            <a:ext cx="12192000" cy="6858000"/>
+          </a:xfrm>
+          <a:prstGeom prst="rect">
+            <a:avLst/>
+          </a:prstGeom>
+          <a:solidFill>
+            <a:srgbClr val="CF3338"/>
+          </a:solidFill>
+        </p:spPr>
+        <p:style>
+          <a:lnRef idx="2">
+            <a:schemeClr val="accent1">
+              <a:shade val="50000"/>
+            </a:schemeClr>
+          </a:lnRef>
+          <a:fillRef idx="1">
+            <a:schemeClr val="accent1"/>
+          </a:fillRef>
+          <a:effectRef idx="0">
+            <a:schemeClr val="accent1"/>
+          </a:effectRef>
+          <a:fontRef idx="minor">
+            <a:schemeClr val="lt1"/>
+          </a:fontRef>
+        </p:style>
+        <p:txBody>
+          <a:bodyPr rtlCol="0" anchor="ctr"/>
+          <a:lstStyle/>
+          <a:p>
+            <a:pPr algn="ctr"/>
+            <a:endParaRPr lang="en-US"/>
+          </a:p>
+        </p:txBody>
+      </p:sp>
+      <p:sp>
+        <p:nvSpPr>
+          <p:cNvPr id="5" name="TextBox 4"/>
+          <p:cNvSpPr txBox="1"/>
+          <p:nvPr/>
+        </p:nvSpPr>
+        <p:spPr>
+          <a:xfrm>
+            <a:off x="520861" y="393539"/>
+            <a:ext cx="10324617" cy="2123658"/>
+          </a:xfrm>
+          <a:prstGeom prst="rect">
+            <a:avLst/>
+          </a:prstGeom>
+          <a:noFill/>
+        </p:spPr>
+        <p:txBody>
+          <a:bodyPr wrap="square" rtlCol="0">
+            <a:spAutoFit/>
+          </a:bodyPr>
+          <a:lstStyle/>
+          <a:p>
+            <a:r>
+              <a:rPr lang="en-US" sz="6600" b="1" dirty="0">
+                <a:solidFill>
+                  <a:schemeClr val="bg1"/>
+                </a:solidFill>
+                <a:latin typeface="Pragmatica" panose="020B0403040502020204"/>
+              </a:rPr>
+              <a:t>5. It’s not worth panicking over</a:t>
+            </a:r>
+          </a:p>
+        </p:txBody>
+      </p:sp>
+    </p:spTree>
+    <p:extLst>
+      <p:ext uri="{BB962C8B-B14F-4D97-AF65-F5344CB8AC3E}">
+        <p14:creationId xmlns:p14="http://schemas.microsoft.com/office/powerpoint/2010/main" val="2173197422"/>
+      </p:ext>
+    </p:extLst>
+  </p:cSld>
+  <p:clrMapOvr>
+    <a:masterClrMapping/>
+  </p:clrMapOvr>
+</p:sld>
+</file>
+
+<file path=ppt/slides/slide21.xml><?xml version="1.0" encoding="utf-8"?>
 <p:sld xmlns:a="http://schemas.openxmlformats.org/drawingml/2006/main" xmlns:r="http://schemas.openxmlformats.org/officeDocument/2006/relationships" xmlns:p="http://schemas.openxmlformats.org/presentationml/2006/main">
   <p:cSld>
     <p:spTree>
@@ -10646,7 +11064,7 @@
 </p:sld>
 </file>
 
-<file path=ppt/slides/slide21.xml><?xml version="1.0" encoding="utf-8"?>
+<file path=ppt/slides/slide22.xml><?xml version="1.0" encoding="utf-8"?>
 <p:sld xmlns:a="http://schemas.openxmlformats.org/drawingml/2006/main" xmlns:r="http://schemas.openxmlformats.org/officeDocument/2006/relationships" xmlns:p="http://schemas.openxmlformats.org/presentationml/2006/main">
   <p:cSld>
     <p:spTree>
@@ -10786,7 +11204,7 @@
 </p:sld>
 </file>
 
-<file path=ppt/slides/slide22.xml><?xml version="1.0" encoding="utf-8"?>
+<file path=ppt/slides/slide23.xml><?xml version="1.0" encoding="utf-8"?>
 <p:sld xmlns:a="http://schemas.openxmlformats.org/drawingml/2006/main" xmlns:r="http://schemas.openxmlformats.org/officeDocument/2006/relationships" xmlns:p="http://schemas.openxmlformats.org/presentationml/2006/main">
   <p:cSld>
     <p:spTree>
@@ -10884,268 +11302,6 @@
     <p:extLst>
       <p:ext uri="{BB962C8B-B14F-4D97-AF65-F5344CB8AC3E}">
         <p14:creationId xmlns:p14="http://schemas.microsoft.com/office/powerpoint/2010/main" val="2952985971"/>
-      </p:ext>
-    </p:extLst>
-  </p:cSld>
-  <p:clrMapOvr>
-    <a:masterClrMapping/>
-  </p:clrMapOvr>
-</p:sld>
-</file>
-
-<file path=ppt/slides/slide23.xml><?xml version="1.0" encoding="utf-8"?>
-<p:sld xmlns:a="http://schemas.openxmlformats.org/drawingml/2006/main" xmlns:r="http://schemas.openxmlformats.org/officeDocument/2006/relationships" xmlns:p="http://schemas.openxmlformats.org/presentationml/2006/main">
-  <p:cSld>
-    <p:spTree>
-      <p:nvGrpSpPr>
-        <p:cNvPr id="1" name=""/>
-        <p:cNvGrpSpPr/>
-        <p:nvPr/>
-      </p:nvGrpSpPr>
-      <p:grpSpPr>
-        <a:xfrm>
-          <a:off x="0" y="0"/>
-          <a:ext cx="0" cy="0"/>
-          <a:chOff x="0" y="0"/>
-          <a:chExt cx="0" cy="0"/>
-        </a:xfrm>
-      </p:grpSpPr>
-      <p:pic>
-        <p:nvPicPr>
-          <p:cNvPr id="10" name="Picture 9"/>
-          <p:cNvPicPr>
-            <a:picLocks noChangeAspect="1"/>
-          </p:cNvPicPr>
-          <p:nvPr/>
-        </p:nvPicPr>
-        <p:blipFill rotWithShape="1">
-          <a:blip r:embed="rId3">
-            <a:extLst>
-              <a:ext uri="{28A0092B-C50C-407E-A947-70E740481C1C}">
-                <a14:useLocalDpi xmlns:a14="http://schemas.microsoft.com/office/drawing/2010/main" val="0"/>
-              </a:ext>
-            </a:extLst>
-          </a:blip>
-          <a:srcRect l="50728" t="56371"/>
-          <a:stretch/>
-        </p:blipFill>
-        <p:spPr>
-          <a:xfrm>
-            <a:off x="10894024" y="5370653"/>
-            <a:ext cx="1297975" cy="1487348"/>
-          </a:xfrm>
-          <a:prstGeom prst="rect">
-            <a:avLst/>
-          </a:prstGeom>
-        </p:spPr>
-      </p:pic>
-      <p:sp>
-        <p:nvSpPr>
-          <p:cNvPr id="11" name="TextBox 10"/>
-          <p:cNvSpPr txBox="1"/>
-          <p:nvPr/>
-        </p:nvSpPr>
-        <p:spPr>
-          <a:xfrm>
-            <a:off x="347240" y="113388"/>
-            <a:ext cx="10861534" cy="1015663"/>
-          </a:xfrm>
-          <a:prstGeom prst="rect">
-            <a:avLst/>
-          </a:prstGeom>
-          <a:noFill/>
-        </p:spPr>
-        <p:txBody>
-          <a:bodyPr wrap="square" rtlCol="0">
-            <a:spAutoFit/>
-          </a:bodyPr>
-          <a:lstStyle/>
-          <a:p>
-            <a:r>
-              <a:rPr lang="en-US" sz="6000" dirty="0">
-                <a:latin typeface="Aliens &amp; cows" panose="00000500000000000000" pitchFamily="2" charset="0"/>
-              </a:rPr>
-              <a:t>Free white paper</a:t>
-            </a:r>
-          </a:p>
-        </p:txBody>
-      </p:sp>
-      <p:sp>
-        <p:nvSpPr>
-          <p:cNvPr id="4" name="TextBox 3">
-            <a:extLst>
-              <a:ext uri="{FF2B5EF4-FFF2-40B4-BE49-F238E27FC236}">
-                <a16:creationId xmlns:a16="http://schemas.microsoft.com/office/drawing/2014/main" id="{5A4F6C64-3E8D-4255-95B8-CF64265213DA}"/>
-              </a:ext>
-            </a:extLst>
-          </p:cNvPr>
-          <p:cNvSpPr txBox="1"/>
-          <p:nvPr/>
-        </p:nvSpPr>
-        <p:spPr>
-          <a:xfrm>
-            <a:off x="347240" y="1465093"/>
-            <a:ext cx="5545560" cy="1815882"/>
-          </a:xfrm>
-          <a:prstGeom prst="rect">
-            <a:avLst/>
-          </a:prstGeom>
-          <a:noFill/>
-        </p:spPr>
-        <p:txBody>
-          <a:bodyPr wrap="square" rtlCol="0">
-            <a:spAutoFit/>
-          </a:bodyPr>
-          <a:lstStyle/>
-          <a:p>
-            <a:pPr marL="457200" indent="-457200">
-              <a:buClr>
-                <a:srgbClr val="CF3338"/>
-              </a:buClr>
-              <a:buFont typeface="Arial" panose="020B0604020202020204" pitchFamily="34" charset="0"/>
-              <a:buChar char="•"/>
-            </a:pPr>
-            <a:r>
-              <a:rPr lang="en-US" sz="2800" dirty="0">
-                <a:solidFill>
-                  <a:srgbClr val="707070"/>
-                </a:solidFill>
-                <a:latin typeface="Pragmatica" panose="020B0403040502020204" pitchFamily="34" charset="0"/>
-              </a:rPr>
-              <a:t>Five Things Excel Users Should Know About Python: </a:t>
-            </a:r>
-          </a:p>
-          <a:p>
-            <a:pPr marL="914400" lvl="1" indent="-457200">
-              <a:buClr>
-                <a:srgbClr val="CF3338"/>
-              </a:buClr>
-              <a:buFont typeface="Arial" panose="020B0604020202020204" pitchFamily="34" charset="0"/>
-              <a:buChar char="•"/>
-            </a:pPr>
-            <a:r>
-              <a:rPr lang="en-US" sz="2800" dirty="0">
-                <a:solidFill>
-                  <a:srgbClr val="707070"/>
-                </a:solidFill>
-                <a:latin typeface="Pragmatica" panose="020B0403040502020204" pitchFamily="34" charset="0"/>
-                <a:hlinkClick r:id="rId4"/>
-              </a:rPr>
-              <a:t>https://stringfestanalytics.com/five-things-python-excel/</a:t>
-            </a:r>
-            <a:r>
-              <a:rPr lang="en-US" sz="2800" dirty="0">
-                <a:solidFill>
-                  <a:srgbClr val="707070"/>
-                </a:solidFill>
-                <a:latin typeface="Pragmatica" panose="020B0403040502020204" pitchFamily="34" charset="0"/>
-              </a:rPr>
-              <a:t>  </a:t>
-            </a:r>
-          </a:p>
-        </p:txBody>
-      </p:sp>
-      <p:pic>
-        <p:nvPicPr>
-          <p:cNvPr id="1026" name="Picture 2" descr="Free white paper: Five things Excel users should know about Python">
-            <a:extLst>
-              <a:ext uri="{FF2B5EF4-FFF2-40B4-BE49-F238E27FC236}">
-                <a16:creationId xmlns:a16="http://schemas.microsoft.com/office/drawing/2014/main" id="{F6CDBEE2-3C50-4DF2-A40F-91C2B351852F}"/>
-              </a:ext>
-            </a:extLst>
-          </p:cNvPr>
-          <p:cNvPicPr>
-            <a:picLocks noChangeAspect="1" noChangeArrowheads="1"/>
-          </p:cNvPicPr>
-          <p:nvPr/>
-        </p:nvPicPr>
-        <p:blipFill rotWithShape="1">
-          <a:blip r:embed="rId5">
-            <a:extLst>
-              <a:ext uri="{28A0092B-C50C-407E-A947-70E740481C1C}">
-                <a14:useLocalDpi xmlns:a14="http://schemas.microsoft.com/office/drawing/2010/main" val="0"/>
-              </a:ext>
-            </a:extLst>
-          </a:blip>
-          <a:srcRect l="58250" t="12168" r="6708" b="7481"/>
-          <a:stretch/>
-        </p:blipFill>
-        <p:spPr bwMode="auto">
-          <a:xfrm>
-            <a:off x="7015480" y="494626"/>
-            <a:ext cx="4272280" cy="5510452"/>
-          </a:xfrm>
-          <a:prstGeom prst="rect">
-            <a:avLst/>
-          </a:prstGeom>
-          <a:noFill/>
-          <a:extLst>
-            <a:ext uri="{909E8E84-426E-40DD-AFC4-6F175D3DCCD1}">
-              <a14:hiddenFill xmlns:a14="http://schemas.microsoft.com/office/drawing/2010/main">
-                <a:solidFill>
-                  <a:srgbClr val="FFFFFF"/>
-                </a:solidFill>
-              </a14:hiddenFill>
-            </a:ext>
-          </a:extLst>
-        </p:spPr>
-      </p:pic>
-      <p:sp>
-        <p:nvSpPr>
-          <p:cNvPr id="2" name="Rectangle 1">
-            <a:extLst>
-              <a:ext uri="{FF2B5EF4-FFF2-40B4-BE49-F238E27FC236}">
-                <a16:creationId xmlns:a16="http://schemas.microsoft.com/office/drawing/2014/main" id="{6D8C8708-E9CB-4407-9696-A4EC05F71D89}"/>
-              </a:ext>
-            </a:extLst>
-          </p:cNvPr>
-          <p:cNvSpPr/>
-          <p:nvPr/>
-        </p:nvSpPr>
-        <p:spPr>
-          <a:xfrm>
-            <a:off x="7015480" y="494626"/>
-            <a:ext cx="4282440" cy="5525174"/>
-          </a:xfrm>
-          <a:prstGeom prst="rect">
-            <a:avLst/>
-          </a:prstGeom>
-          <a:noFill/>
-          <a:ln w="12700">
-            <a:solidFill>
-              <a:schemeClr val="tx1"/>
-            </a:solidFill>
-          </a:ln>
-        </p:spPr>
-        <p:style>
-          <a:lnRef idx="2">
-            <a:schemeClr val="accent1">
-              <a:shade val="50000"/>
-            </a:schemeClr>
-          </a:lnRef>
-          <a:fillRef idx="1">
-            <a:schemeClr val="accent1"/>
-          </a:fillRef>
-          <a:effectRef idx="0">
-            <a:schemeClr val="accent1"/>
-          </a:effectRef>
-          <a:fontRef idx="minor">
-            <a:schemeClr val="lt1"/>
-          </a:fontRef>
-        </p:style>
-        <p:txBody>
-          <a:bodyPr rtlCol="0" anchor="ctr"/>
-          <a:lstStyle/>
-          <a:p>
-            <a:pPr algn="ctr"/>
-            <a:endParaRPr lang="en-US"/>
-          </a:p>
-        </p:txBody>
-      </p:sp>
-    </p:spTree>
-    <p:extLst>
-      <p:ext uri="{BB962C8B-B14F-4D97-AF65-F5344CB8AC3E}">
-        <p14:creationId xmlns:p14="http://schemas.microsoft.com/office/powerpoint/2010/main" val="1574051232"/>
       </p:ext>
     </p:extLst>
   </p:cSld>
@@ -11227,6 +11383,268 @@
               <a:rPr lang="en-US" sz="6000" dirty="0">
                 <a:latin typeface="Aliens &amp; cows" panose="00000500000000000000" pitchFamily="2" charset="0"/>
               </a:rPr>
+              <a:t>Free white paper</a:t>
+            </a:r>
+          </a:p>
+        </p:txBody>
+      </p:sp>
+      <p:sp>
+        <p:nvSpPr>
+          <p:cNvPr id="4" name="TextBox 3">
+            <a:extLst>
+              <a:ext uri="{FF2B5EF4-FFF2-40B4-BE49-F238E27FC236}">
+                <a16:creationId xmlns:a16="http://schemas.microsoft.com/office/drawing/2014/main" id="{5A4F6C64-3E8D-4255-95B8-CF64265213DA}"/>
+              </a:ext>
+            </a:extLst>
+          </p:cNvPr>
+          <p:cNvSpPr txBox="1"/>
+          <p:nvPr/>
+        </p:nvSpPr>
+        <p:spPr>
+          <a:xfrm>
+            <a:off x="347240" y="1465093"/>
+            <a:ext cx="5545560" cy="1815882"/>
+          </a:xfrm>
+          <a:prstGeom prst="rect">
+            <a:avLst/>
+          </a:prstGeom>
+          <a:noFill/>
+        </p:spPr>
+        <p:txBody>
+          <a:bodyPr wrap="square" rtlCol="0">
+            <a:spAutoFit/>
+          </a:bodyPr>
+          <a:lstStyle/>
+          <a:p>
+            <a:pPr marL="457200" indent="-457200">
+              <a:buClr>
+                <a:srgbClr val="CF3338"/>
+              </a:buClr>
+              <a:buFont typeface="Arial" panose="020B0604020202020204" pitchFamily="34" charset="0"/>
+              <a:buChar char="•"/>
+            </a:pPr>
+            <a:r>
+              <a:rPr lang="en-US" sz="2800" dirty="0">
+                <a:solidFill>
+                  <a:srgbClr val="707070"/>
+                </a:solidFill>
+                <a:latin typeface="Pragmatica" panose="020B0403040502020204" pitchFamily="34" charset="0"/>
+              </a:rPr>
+              <a:t>Five Things Excel Users Should Know About Python: </a:t>
+            </a:r>
+          </a:p>
+          <a:p>
+            <a:pPr marL="914400" lvl="1" indent="-457200">
+              <a:buClr>
+                <a:srgbClr val="CF3338"/>
+              </a:buClr>
+              <a:buFont typeface="Arial" panose="020B0604020202020204" pitchFamily="34" charset="0"/>
+              <a:buChar char="•"/>
+            </a:pPr>
+            <a:r>
+              <a:rPr lang="en-US" sz="2800" dirty="0">
+                <a:solidFill>
+                  <a:srgbClr val="707070"/>
+                </a:solidFill>
+                <a:latin typeface="Pragmatica" panose="020B0403040502020204" pitchFamily="34" charset="0"/>
+                <a:hlinkClick r:id="rId4"/>
+              </a:rPr>
+              <a:t>https://stringfestanalytics.com/five-things-python-excel/</a:t>
+            </a:r>
+            <a:r>
+              <a:rPr lang="en-US" sz="2800" dirty="0">
+                <a:solidFill>
+                  <a:srgbClr val="707070"/>
+                </a:solidFill>
+                <a:latin typeface="Pragmatica" panose="020B0403040502020204" pitchFamily="34" charset="0"/>
+              </a:rPr>
+              <a:t>  </a:t>
+            </a:r>
+          </a:p>
+        </p:txBody>
+      </p:sp>
+      <p:pic>
+        <p:nvPicPr>
+          <p:cNvPr id="1026" name="Picture 2" descr="Free white paper: Five things Excel users should know about Python">
+            <a:extLst>
+              <a:ext uri="{FF2B5EF4-FFF2-40B4-BE49-F238E27FC236}">
+                <a16:creationId xmlns:a16="http://schemas.microsoft.com/office/drawing/2014/main" id="{F6CDBEE2-3C50-4DF2-A40F-91C2B351852F}"/>
+              </a:ext>
+            </a:extLst>
+          </p:cNvPr>
+          <p:cNvPicPr>
+            <a:picLocks noChangeAspect="1" noChangeArrowheads="1"/>
+          </p:cNvPicPr>
+          <p:nvPr/>
+        </p:nvPicPr>
+        <p:blipFill rotWithShape="1">
+          <a:blip r:embed="rId5">
+            <a:extLst>
+              <a:ext uri="{28A0092B-C50C-407E-A947-70E740481C1C}">
+                <a14:useLocalDpi xmlns:a14="http://schemas.microsoft.com/office/drawing/2010/main" val="0"/>
+              </a:ext>
+            </a:extLst>
+          </a:blip>
+          <a:srcRect l="58250" t="12168" r="6708" b="7481"/>
+          <a:stretch/>
+        </p:blipFill>
+        <p:spPr bwMode="auto">
+          <a:xfrm>
+            <a:off x="7015480" y="494626"/>
+            <a:ext cx="4272280" cy="5510452"/>
+          </a:xfrm>
+          <a:prstGeom prst="rect">
+            <a:avLst/>
+          </a:prstGeom>
+          <a:noFill/>
+          <a:extLst>
+            <a:ext uri="{909E8E84-426E-40DD-AFC4-6F175D3DCCD1}">
+              <a14:hiddenFill xmlns:a14="http://schemas.microsoft.com/office/drawing/2010/main">
+                <a:solidFill>
+                  <a:srgbClr val="FFFFFF"/>
+                </a:solidFill>
+              </a14:hiddenFill>
+            </a:ext>
+          </a:extLst>
+        </p:spPr>
+      </p:pic>
+      <p:sp>
+        <p:nvSpPr>
+          <p:cNvPr id="2" name="Rectangle 1">
+            <a:extLst>
+              <a:ext uri="{FF2B5EF4-FFF2-40B4-BE49-F238E27FC236}">
+                <a16:creationId xmlns:a16="http://schemas.microsoft.com/office/drawing/2014/main" id="{6D8C8708-E9CB-4407-9696-A4EC05F71D89}"/>
+              </a:ext>
+            </a:extLst>
+          </p:cNvPr>
+          <p:cNvSpPr/>
+          <p:nvPr/>
+        </p:nvSpPr>
+        <p:spPr>
+          <a:xfrm>
+            <a:off x="7015480" y="494626"/>
+            <a:ext cx="4282440" cy="5525174"/>
+          </a:xfrm>
+          <a:prstGeom prst="rect">
+            <a:avLst/>
+          </a:prstGeom>
+          <a:noFill/>
+          <a:ln w="12700">
+            <a:solidFill>
+              <a:schemeClr val="tx1"/>
+            </a:solidFill>
+          </a:ln>
+        </p:spPr>
+        <p:style>
+          <a:lnRef idx="2">
+            <a:schemeClr val="accent1">
+              <a:shade val="50000"/>
+            </a:schemeClr>
+          </a:lnRef>
+          <a:fillRef idx="1">
+            <a:schemeClr val="accent1"/>
+          </a:fillRef>
+          <a:effectRef idx="0">
+            <a:schemeClr val="accent1"/>
+          </a:effectRef>
+          <a:fontRef idx="minor">
+            <a:schemeClr val="lt1"/>
+          </a:fontRef>
+        </p:style>
+        <p:txBody>
+          <a:bodyPr rtlCol="0" anchor="ctr"/>
+          <a:lstStyle/>
+          <a:p>
+            <a:pPr algn="ctr"/>
+            <a:endParaRPr lang="en-US"/>
+          </a:p>
+        </p:txBody>
+      </p:sp>
+    </p:spTree>
+    <p:extLst>
+      <p:ext uri="{BB962C8B-B14F-4D97-AF65-F5344CB8AC3E}">
+        <p14:creationId xmlns:p14="http://schemas.microsoft.com/office/powerpoint/2010/main" val="1574051232"/>
+      </p:ext>
+    </p:extLst>
+  </p:cSld>
+  <p:clrMapOvr>
+    <a:masterClrMapping/>
+  </p:clrMapOvr>
+</p:sld>
+</file>
+
+<file path=ppt/slides/slide25.xml><?xml version="1.0" encoding="utf-8"?>
+<p:sld xmlns:a="http://schemas.openxmlformats.org/drawingml/2006/main" xmlns:r="http://schemas.openxmlformats.org/officeDocument/2006/relationships" xmlns:p="http://schemas.openxmlformats.org/presentationml/2006/main">
+  <p:cSld>
+    <p:spTree>
+      <p:nvGrpSpPr>
+        <p:cNvPr id="1" name=""/>
+        <p:cNvGrpSpPr/>
+        <p:nvPr/>
+      </p:nvGrpSpPr>
+      <p:grpSpPr>
+        <a:xfrm>
+          <a:off x="0" y="0"/>
+          <a:ext cx="0" cy="0"/>
+          <a:chOff x="0" y="0"/>
+          <a:chExt cx="0" cy="0"/>
+        </a:xfrm>
+      </p:grpSpPr>
+      <p:pic>
+        <p:nvPicPr>
+          <p:cNvPr id="10" name="Picture 9"/>
+          <p:cNvPicPr>
+            <a:picLocks noChangeAspect="1"/>
+          </p:cNvPicPr>
+          <p:nvPr/>
+        </p:nvPicPr>
+        <p:blipFill rotWithShape="1">
+          <a:blip r:embed="rId3">
+            <a:extLst>
+              <a:ext uri="{28A0092B-C50C-407E-A947-70E740481C1C}">
+                <a14:useLocalDpi xmlns:a14="http://schemas.microsoft.com/office/drawing/2010/main" val="0"/>
+              </a:ext>
+            </a:extLst>
+          </a:blip>
+          <a:srcRect l="50728" t="56371"/>
+          <a:stretch/>
+        </p:blipFill>
+        <p:spPr>
+          <a:xfrm>
+            <a:off x="10894024" y="5370653"/>
+            <a:ext cx="1297975" cy="1487348"/>
+          </a:xfrm>
+          <a:prstGeom prst="rect">
+            <a:avLst/>
+          </a:prstGeom>
+        </p:spPr>
+      </p:pic>
+      <p:sp>
+        <p:nvSpPr>
+          <p:cNvPr id="11" name="TextBox 10"/>
+          <p:cNvSpPr txBox="1"/>
+          <p:nvPr/>
+        </p:nvSpPr>
+        <p:spPr>
+          <a:xfrm>
+            <a:off x="347240" y="113388"/>
+            <a:ext cx="10861534" cy="1015663"/>
+          </a:xfrm>
+          <a:prstGeom prst="rect">
+            <a:avLst/>
+          </a:prstGeom>
+          <a:noFill/>
+        </p:spPr>
+        <p:txBody>
+          <a:bodyPr wrap="square" rtlCol="0">
+            <a:spAutoFit/>
+          </a:bodyPr>
+          <a:lstStyle/>
+          <a:p>
+            <a:r>
+              <a:rPr lang="en-US" sz="6000" dirty="0">
+                <a:latin typeface="Aliens &amp; cows" panose="00000500000000000000" pitchFamily="2" charset="0"/>
+              </a:rPr>
               <a:t>Want more? </a:t>
             </a:r>
           </a:p>
@@ -11434,7 +11852,7 @@
 </p:sld>
 </file>
 
-<file path=ppt/slides/slide25.xml><?xml version="1.0" encoding="utf-8"?>
+<file path=ppt/slides/slide26.xml><?xml version="1.0" encoding="utf-8"?>
 <p:sld xmlns:a="http://schemas.openxmlformats.org/drawingml/2006/main" xmlns:r="http://schemas.openxmlformats.org/officeDocument/2006/relationships" xmlns:p="http://schemas.openxmlformats.org/presentationml/2006/main">
   <p:cSld>
     <p:spTree>
@@ -11657,6 +12075,239 @@
         </p:blipFill>
         <p:spPr>
           <a:xfrm>
+            <a:off x="10894024" y="5370653"/>
+            <a:ext cx="1297975" cy="1487348"/>
+          </a:xfrm>
+          <a:prstGeom prst="rect">
+            <a:avLst/>
+          </a:prstGeom>
+        </p:spPr>
+      </p:pic>
+      <p:sp>
+        <p:nvSpPr>
+          <p:cNvPr id="11" name="TextBox 10"/>
+          <p:cNvSpPr txBox="1"/>
+          <p:nvPr/>
+        </p:nvSpPr>
+        <p:spPr>
+          <a:xfrm>
+            <a:off x="347240" y="113388"/>
+            <a:ext cx="9799937" cy="1015663"/>
+          </a:xfrm>
+          <a:prstGeom prst="rect">
+            <a:avLst/>
+          </a:prstGeom>
+          <a:noFill/>
+        </p:spPr>
+        <p:txBody>
+          <a:bodyPr wrap="square" rtlCol="0">
+            <a:spAutoFit/>
+          </a:bodyPr>
+          <a:lstStyle/>
+          <a:p>
+            <a:r>
+              <a:rPr lang="en-US" sz="6000" dirty="0">
+                <a:latin typeface="Aliens &amp; cows" panose="00000500000000000000" pitchFamily="2" charset="0"/>
+              </a:rPr>
+              <a:t>Follow along</a:t>
+            </a:r>
+          </a:p>
+        </p:txBody>
+      </p:sp>
+      <p:sp>
+        <p:nvSpPr>
+          <p:cNvPr id="3" name="TextBox 2"/>
+          <p:cNvSpPr txBox="1"/>
+          <p:nvPr/>
+        </p:nvSpPr>
+        <p:spPr>
+          <a:xfrm>
+            <a:off x="462988" y="1365813"/>
+            <a:ext cx="8245584" cy="1384995"/>
+          </a:xfrm>
+          <a:prstGeom prst="rect">
+            <a:avLst/>
+          </a:prstGeom>
+          <a:noFill/>
+        </p:spPr>
+        <p:txBody>
+          <a:bodyPr wrap="square" rtlCol="0">
+            <a:spAutoFit/>
+          </a:bodyPr>
+          <a:lstStyle/>
+          <a:p>
+            <a:pPr marL="285750" indent="-285750">
+              <a:buFont typeface="Arial" panose="020B0604020202020204" pitchFamily="34" charset="0"/>
+              <a:buChar char="•"/>
+            </a:pPr>
+            <a:r>
+              <a:rPr lang="en-US" sz="2800" dirty="0">
+                <a:solidFill>
+                  <a:srgbClr val="707070"/>
+                </a:solidFill>
+                <a:latin typeface="Pragmatica" panose="020B0403040502020204" pitchFamily="34" charset="0"/>
+              </a:rPr>
+              <a:t>Download and unzip resources: </a:t>
+            </a:r>
+            <a:r>
+              <a:rPr lang="en-US" sz="2800" dirty="0">
+                <a:solidFill>
+                  <a:srgbClr val="707070"/>
+                </a:solidFill>
+                <a:latin typeface="Pragmatica" panose="020B0403040502020204" pitchFamily="34" charset="0"/>
+                <a:hlinkClick r:id="rId4"/>
+              </a:rPr>
+              <a:t>https://github.com/stringfestdata/python-for-excel-users-crash-course</a:t>
+            </a:r>
+            <a:r>
+              <a:rPr lang="en-US" sz="2800" dirty="0">
+                <a:solidFill>
+                  <a:srgbClr val="707070"/>
+                </a:solidFill>
+                <a:latin typeface="Pragmatica" panose="020B0403040502020204" pitchFamily="34" charset="0"/>
+              </a:rPr>
+              <a:t>  </a:t>
+            </a:r>
+          </a:p>
+        </p:txBody>
+      </p:sp>
+      <p:pic>
+        <p:nvPicPr>
+          <p:cNvPr id="4" name="Picture 3">
+            <a:extLst>
+              <a:ext uri="{FF2B5EF4-FFF2-40B4-BE49-F238E27FC236}">
+                <a16:creationId xmlns:a16="http://schemas.microsoft.com/office/drawing/2014/main" id="{76BFA9A1-2CDE-4595-AA39-8F7510ACAF1F}"/>
+              </a:ext>
+            </a:extLst>
+          </p:cNvPr>
+          <p:cNvPicPr>
+            <a:picLocks noChangeAspect="1"/>
+          </p:cNvPicPr>
+          <p:nvPr/>
+        </p:nvPicPr>
+        <p:blipFill>
+          <a:blip r:embed="rId5"/>
+          <a:stretch>
+            <a:fillRect/>
+          </a:stretch>
+        </p:blipFill>
+        <p:spPr>
+          <a:xfrm>
+            <a:off x="5705503" y="3457757"/>
+            <a:ext cx="2646645" cy="1042617"/>
+          </a:xfrm>
+          <a:prstGeom prst="rect">
+            <a:avLst/>
+          </a:prstGeom>
+        </p:spPr>
+      </p:pic>
+      <p:sp>
+        <p:nvSpPr>
+          <p:cNvPr id="7" name="TextBox 6">
+            <a:extLst>
+              <a:ext uri="{FF2B5EF4-FFF2-40B4-BE49-F238E27FC236}">
+                <a16:creationId xmlns:a16="http://schemas.microsoft.com/office/drawing/2014/main" id="{EC182BCD-FB9B-4270-8C8C-52D893BD51E4}"/>
+              </a:ext>
+            </a:extLst>
+          </p:cNvPr>
+          <p:cNvSpPr txBox="1"/>
+          <p:nvPr/>
+        </p:nvSpPr>
+        <p:spPr>
+          <a:xfrm>
+            <a:off x="2239085" y="3688698"/>
+            <a:ext cx="3664381" cy="523220"/>
+          </a:xfrm>
+          <a:prstGeom prst="rect">
+            <a:avLst/>
+          </a:prstGeom>
+          <a:noFill/>
+        </p:spPr>
+        <p:txBody>
+          <a:bodyPr wrap="square" rtlCol="0">
+            <a:spAutoFit/>
+          </a:bodyPr>
+          <a:lstStyle/>
+          <a:p>
+            <a:r>
+              <a:rPr lang="en-US" sz="2800" dirty="0">
+                <a:solidFill>
+                  <a:srgbClr val="707070"/>
+                </a:solidFill>
+                <a:latin typeface="Pragmatica" panose="020B0403040502020204" pitchFamily="34" charset="0"/>
+              </a:rPr>
+              <a:t>Follow along …. </a:t>
+            </a:r>
+            <a:r>
+              <a:rPr lang="en-US" sz="2800" dirty="0">
+                <a:solidFill>
+                  <a:srgbClr val="707070"/>
+                </a:solidFill>
+                <a:latin typeface="Pragmatica" panose="020B0403040502020204" pitchFamily="34" charset="0"/>
+                <a:sym typeface="Wingdings" panose="05000000000000000000" pitchFamily="2" charset="2"/>
+              </a:rPr>
+              <a:t></a:t>
+            </a:r>
+            <a:endParaRPr lang="en-US" sz="2800" dirty="0">
+              <a:solidFill>
+                <a:srgbClr val="707070"/>
+              </a:solidFill>
+              <a:latin typeface="Pragmatica" panose="020B0403040502020204" pitchFamily="34" charset="0"/>
+            </a:endParaRPr>
+          </a:p>
+        </p:txBody>
+      </p:sp>
+    </p:spTree>
+    <p:extLst>
+      <p:ext uri="{BB962C8B-B14F-4D97-AF65-F5344CB8AC3E}">
+        <p14:creationId xmlns:p14="http://schemas.microsoft.com/office/powerpoint/2010/main" val="3830029867"/>
+      </p:ext>
+    </p:extLst>
+  </p:cSld>
+  <p:clrMapOvr>
+    <a:masterClrMapping/>
+  </p:clrMapOvr>
+</p:sld>
+</file>
+
+<file path=ppt/slides/slide4.xml><?xml version="1.0" encoding="utf-8"?>
+<p:sld xmlns:a="http://schemas.openxmlformats.org/drawingml/2006/main" xmlns:r="http://schemas.openxmlformats.org/officeDocument/2006/relationships" xmlns:p="http://schemas.openxmlformats.org/presentationml/2006/main">
+  <p:cSld>
+    <p:spTree>
+      <p:nvGrpSpPr>
+        <p:cNvPr id="1" name=""/>
+        <p:cNvGrpSpPr/>
+        <p:nvPr/>
+      </p:nvGrpSpPr>
+      <p:grpSpPr>
+        <a:xfrm>
+          <a:off x="0" y="0"/>
+          <a:ext cx="0" cy="0"/>
+          <a:chOff x="0" y="0"/>
+          <a:chExt cx="0" cy="0"/>
+        </a:xfrm>
+      </p:grpSpPr>
+      <p:pic>
+        <p:nvPicPr>
+          <p:cNvPr id="10" name="Picture 9"/>
+          <p:cNvPicPr>
+            <a:picLocks noChangeAspect="1"/>
+          </p:cNvPicPr>
+          <p:nvPr/>
+        </p:nvPicPr>
+        <p:blipFill rotWithShape="1">
+          <a:blip r:embed="rId3">
+            <a:extLst>
+              <a:ext uri="{28A0092B-C50C-407E-A947-70E740481C1C}">
+                <a14:useLocalDpi xmlns:a14="http://schemas.microsoft.com/office/drawing/2010/main" val="0"/>
+              </a:ext>
+            </a:extLst>
+          </a:blip>
+          <a:srcRect l="50728" t="56371"/>
+          <a:stretch/>
+        </p:blipFill>
+        <p:spPr>
+          <a:xfrm>
             <a:off x="8136460" y="2210765"/>
             <a:ext cx="4055539" cy="4647236"/>
           </a:xfrm>
@@ -11759,7 +12410,7 @@
 </p:sld>
 </file>
 
-<file path=ppt/slides/slide4.xml><?xml version="1.0" encoding="utf-8"?>
+<file path=ppt/slides/slide5.xml><?xml version="1.0" encoding="utf-8"?>
 <p:sld xmlns:a="http://schemas.openxmlformats.org/drawingml/2006/main" xmlns:r="http://schemas.openxmlformats.org/officeDocument/2006/relationships" xmlns:p="http://schemas.openxmlformats.org/presentationml/2006/main">
   <p:cSld>
     <p:spTree>
@@ -11866,7 +12517,7 @@
 </p:sld>
 </file>
 
-<file path=ppt/slides/slide5.xml><?xml version="1.0" encoding="utf-8"?>
+<file path=ppt/slides/slide6.xml><?xml version="1.0" encoding="utf-8"?>
 <p:sld xmlns:a="http://schemas.openxmlformats.org/drawingml/2006/main" xmlns:r="http://schemas.openxmlformats.org/officeDocument/2006/relationships" xmlns:p="http://schemas.openxmlformats.org/presentationml/2006/main">
   <p:cSld>
     <p:spTree>
@@ -12240,7 +12891,7 @@
 </p:sld>
 </file>
 
-<file path=ppt/slides/slide6.xml><?xml version="1.0" encoding="utf-8"?>
+<file path=ppt/slides/slide7.xml><?xml version="1.0" encoding="utf-8"?>
 <p:sld xmlns:a="http://schemas.openxmlformats.org/drawingml/2006/main" xmlns:r="http://schemas.openxmlformats.org/officeDocument/2006/relationships" xmlns:p="http://schemas.openxmlformats.org/presentationml/2006/main">
   <p:cSld>
     <p:spTree>
@@ -12648,7 +13299,7 @@
 </p:sld>
 </file>
 
-<file path=ppt/slides/slide7.xml><?xml version="1.0" encoding="utf-8"?>
+<file path=ppt/slides/slide8.xml><?xml version="1.0" encoding="utf-8"?>
 <p:sld xmlns:a="http://schemas.openxmlformats.org/drawingml/2006/main" xmlns:r="http://schemas.openxmlformats.org/officeDocument/2006/relationships" xmlns:p="http://schemas.openxmlformats.org/presentationml/2006/main">
   <p:cSld>
     <p:spTree>
@@ -13126,7 +13777,7 @@
 </p:sld>
 </file>
 
-<file path=ppt/slides/slide8.xml><?xml version="1.0" encoding="utf-8"?>
+<file path=ppt/slides/slide9.xml><?xml version="1.0" encoding="utf-8"?>
 <p:sld xmlns:a="http://schemas.openxmlformats.org/drawingml/2006/main" xmlns:r="http://schemas.openxmlformats.org/officeDocument/2006/relationships" xmlns:p="http://schemas.openxmlformats.org/presentationml/2006/main">
   <p:cSld>
     <p:spTree>
@@ -13224,278 +13875,6 @@
     <p:extLst>
       <p:ext uri="{BB962C8B-B14F-4D97-AF65-F5344CB8AC3E}">
         <p14:creationId xmlns:p14="http://schemas.microsoft.com/office/powerpoint/2010/main" val="1991586970"/>
-      </p:ext>
-    </p:extLst>
-  </p:cSld>
-  <p:clrMapOvr>
-    <a:masterClrMapping/>
-  </p:clrMapOvr>
-</p:sld>
-</file>
-
-<file path=ppt/slides/slide9.xml><?xml version="1.0" encoding="utf-8"?>
-<p:sld xmlns:a="http://schemas.openxmlformats.org/drawingml/2006/main" xmlns:r="http://schemas.openxmlformats.org/officeDocument/2006/relationships" xmlns:p="http://schemas.openxmlformats.org/presentationml/2006/main">
-  <p:cSld>
-    <p:spTree>
-      <p:nvGrpSpPr>
-        <p:cNvPr id="1" name=""/>
-        <p:cNvGrpSpPr/>
-        <p:nvPr/>
-      </p:nvGrpSpPr>
-      <p:grpSpPr>
-        <a:xfrm>
-          <a:off x="0" y="0"/>
-          <a:ext cx="0" cy="0"/>
-          <a:chOff x="0" y="0"/>
-          <a:chExt cx="0" cy="0"/>
-        </a:xfrm>
-      </p:grpSpPr>
-      <p:sp>
-        <p:nvSpPr>
-          <p:cNvPr id="4" name="Rectangle 3"/>
-          <p:cNvSpPr/>
-          <p:nvPr/>
-        </p:nvSpPr>
-        <p:spPr>
-          <a:xfrm>
-            <a:off x="6574420" y="0"/>
-            <a:ext cx="5617580" cy="6858000"/>
-          </a:xfrm>
-          <a:prstGeom prst="rect">
-            <a:avLst/>
-          </a:prstGeom>
-          <a:solidFill>
-            <a:srgbClr val="CF3338"/>
-          </a:solidFill>
-        </p:spPr>
-        <p:style>
-          <a:lnRef idx="2">
-            <a:schemeClr val="accent1">
-              <a:shade val="50000"/>
-            </a:schemeClr>
-          </a:lnRef>
-          <a:fillRef idx="1">
-            <a:schemeClr val="accent1"/>
-          </a:fillRef>
-          <a:effectRef idx="0">
-            <a:schemeClr val="accent1"/>
-          </a:effectRef>
-          <a:fontRef idx="minor">
-            <a:schemeClr val="lt1"/>
-          </a:fontRef>
-        </p:style>
-        <p:txBody>
-          <a:bodyPr rtlCol="0" anchor="ctr"/>
-          <a:lstStyle/>
-          <a:p>
-            <a:pPr algn="ctr"/>
-            <a:endParaRPr lang="en-US"/>
-          </a:p>
-        </p:txBody>
-      </p:sp>
-      <p:sp>
-        <p:nvSpPr>
-          <p:cNvPr id="5" name="TextBox 4"/>
-          <p:cNvSpPr txBox="1"/>
-          <p:nvPr/>
-        </p:nvSpPr>
-        <p:spPr>
-          <a:xfrm>
-            <a:off x="6817489" y="0"/>
-            <a:ext cx="4120587" cy="1446550"/>
-          </a:xfrm>
-          <a:prstGeom prst="rect">
-            <a:avLst/>
-          </a:prstGeom>
-          <a:noFill/>
-        </p:spPr>
-        <p:txBody>
-          <a:bodyPr wrap="square" rtlCol="0">
-            <a:spAutoFit/>
-          </a:bodyPr>
-          <a:lstStyle/>
-          <a:p>
-            <a:r>
-              <a:rPr lang="en-US" sz="8800" dirty="0">
-                <a:solidFill>
-                  <a:schemeClr val="bg1"/>
-                </a:solidFill>
-                <a:latin typeface="Aliens &amp; cows" panose="00000500000000000000" pitchFamily="2" charset="0"/>
-              </a:rPr>
-              <a:t>Demo</a:t>
-            </a:r>
-          </a:p>
-        </p:txBody>
-      </p:sp>
-      <p:pic>
-        <p:nvPicPr>
-          <p:cNvPr id="2" name="Picture 1"/>
-          <p:cNvPicPr>
-            <a:picLocks noChangeAspect="1"/>
-          </p:cNvPicPr>
-          <p:nvPr/>
-        </p:nvPicPr>
-        <p:blipFill rotWithShape="1">
-          <a:blip r:embed="rId3">
-            <a:extLst>
-              <a:ext uri="{28A0092B-C50C-407E-A947-70E740481C1C}">
-                <a14:useLocalDpi xmlns:a14="http://schemas.microsoft.com/office/drawing/2010/main" val="0"/>
-              </a:ext>
-            </a:extLst>
-          </a:blip>
-          <a:srcRect l="69227" t="33418" r="20112" b="50548"/>
-          <a:stretch/>
-        </p:blipFill>
-        <p:spPr>
-          <a:xfrm>
-            <a:off x="10386349" y="5029795"/>
-            <a:ext cx="1805651" cy="1991719"/>
-          </a:xfrm>
-          <a:prstGeom prst="rect">
-            <a:avLst/>
-          </a:prstGeom>
-        </p:spPr>
-      </p:pic>
-      <p:sp>
-        <p:nvSpPr>
-          <p:cNvPr id="3" name="TextBox 2"/>
-          <p:cNvSpPr txBox="1"/>
-          <p:nvPr/>
-        </p:nvSpPr>
-        <p:spPr>
-          <a:xfrm>
-            <a:off x="173620" y="219919"/>
-            <a:ext cx="5937813" cy="954107"/>
-          </a:xfrm>
-          <a:prstGeom prst="rect">
-            <a:avLst/>
-          </a:prstGeom>
-          <a:noFill/>
-        </p:spPr>
-        <p:txBody>
-          <a:bodyPr wrap="square" rtlCol="0">
-            <a:spAutoFit/>
-          </a:bodyPr>
-          <a:lstStyle/>
-          <a:p>
-            <a:r>
-              <a:rPr lang="en-US" sz="2800" b="1" dirty="0">
-                <a:solidFill>
-                  <a:srgbClr val="CF3338"/>
-                </a:solidFill>
-                <a:latin typeface="Pragmatica" pitchFamily="2" charset="0"/>
-              </a:rPr>
-              <a:t>File: </a:t>
-            </a:r>
-            <a:r>
-              <a:rPr lang="en-US" sz="2800" b="1" dirty="0">
-                <a:solidFill>
-                  <a:srgbClr val="CF3338"/>
-                </a:solidFill>
-                <a:latin typeface="Consolas" panose="020B0609020204030204" pitchFamily="49" charset="0"/>
-              </a:rPr>
-              <a:t>thing-2.ipynb</a:t>
-            </a:r>
-          </a:p>
-          <a:p>
-            <a:endParaRPr lang="en-US" sz="2800" b="1" dirty="0">
-              <a:solidFill>
-                <a:srgbClr val="CF3338"/>
-              </a:solidFill>
-              <a:latin typeface="Consolas" panose="020B0609020204030204" pitchFamily="49" charset="0"/>
-            </a:endParaRPr>
-          </a:p>
-        </p:txBody>
-      </p:sp>
-      <p:sp>
-        <p:nvSpPr>
-          <p:cNvPr id="7" name="TextBox 6">
-            <a:extLst>
-              <a:ext uri="{FF2B5EF4-FFF2-40B4-BE49-F238E27FC236}">
-                <a16:creationId xmlns:a16="http://schemas.microsoft.com/office/drawing/2014/main" id="{855BC584-A237-4C91-9DAB-ADA80256CAC8}"/>
-              </a:ext>
-            </a:extLst>
-          </p:cNvPr>
-          <p:cNvSpPr txBox="1"/>
-          <p:nvPr/>
-        </p:nvSpPr>
-        <p:spPr>
-          <a:xfrm>
-            <a:off x="158187" y="1446550"/>
-            <a:ext cx="5937813" cy="1692771"/>
-          </a:xfrm>
-          <a:prstGeom prst="rect">
-            <a:avLst/>
-          </a:prstGeom>
-          <a:noFill/>
-        </p:spPr>
-        <p:txBody>
-          <a:bodyPr wrap="square" rtlCol="0">
-            <a:spAutoFit/>
-          </a:bodyPr>
-          <a:lstStyle/>
-          <a:p>
-            <a:r>
-              <a:rPr lang="en-US" sz="2600" b="1" dirty="0">
-                <a:solidFill>
-                  <a:srgbClr val="CF3338"/>
-                </a:solidFill>
-                <a:latin typeface="Pragmatica" pitchFamily="2" charset="0"/>
-              </a:rPr>
-              <a:t>How does Python handle</a:t>
-            </a:r>
-          </a:p>
-          <a:p>
-            <a:pPr marL="457200" indent="-457200">
-              <a:buFont typeface="Arial" panose="020B0604020202020204" pitchFamily="34" charset="0"/>
-              <a:buChar char="•"/>
-            </a:pPr>
-            <a:r>
-              <a:rPr lang="en-US" sz="2600" b="1" dirty="0">
-                <a:solidFill>
-                  <a:srgbClr val="CF3338"/>
-                </a:solidFill>
-                <a:latin typeface="Pragmatica" pitchFamily="2" charset="0"/>
-              </a:rPr>
-              <a:t>Case sensitivity?</a:t>
-            </a:r>
-          </a:p>
-          <a:p>
-            <a:pPr marL="457200" indent="-457200">
-              <a:buFont typeface="Arial" panose="020B0604020202020204" pitchFamily="34" charset="0"/>
-              <a:buChar char="•"/>
-            </a:pPr>
-            <a:r>
-              <a:rPr lang="en-US" sz="2600" b="1" dirty="0">
-                <a:solidFill>
-                  <a:srgbClr val="CF3338"/>
-                </a:solidFill>
-                <a:latin typeface="Pragmatica" pitchFamily="2" charset="0"/>
-              </a:rPr>
-              <a:t>Indexing?</a:t>
-            </a:r>
-          </a:p>
-          <a:p>
-            <a:pPr marL="457200" indent="-457200">
-              <a:buFont typeface="Arial" panose="020B0604020202020204" pitchFamily="34" charset="0"/>
-              <a:buChar char="•"/>
-            </a:pPr>
-            <a:r>
-              <a:rPr lang="en-US" sz="2600" b="1" dirty="0">
-                <a:solidFill>
-                  <a:srgbClr val="CF3338"/>
-                </a:solidFill>
-                <a:latin typeface="Pragmatica" pitchFamily="2" charset="0"/>
-              </a:rPr>
-              <a:t>Whitespace?</a:t>
-            </a:r>
-          </a:p>
-        </p:txBody>
-      </p:sp>
-    </p:spTree>
-    <p:extLst>
-      <p:ext uri="{BB962C8B-B14F-4D97-AF65-F5344CB8AC3E}">
-        <p14:creationId xmlns:p14="http://schemas.microsoft.com/office/powerpoint/2010/main" val="3395063419"/>
       </p:ext>
     </p:extLst>
   </p:cSld>
